--- a/MLCharity-BaşakDilaraÇevik.pptx
+++ b/MLCharity-BaşakDilaraÇevik.pptx
@@ -14,17 +14,20 @@
     <p:sldId id="259" r:id="rId8"/>
     <p:sldId id="260" r:id="rId9"/>
     <p:sldId id="261" r:id="rId10"/>
-    <p:sldId id="263" r:id="rId11"/>
-    <p:sldId id="264" r:id="rId12"/>
-    <p:sldId id="265" r:id="rId13"/>
-    <p:sldId id="266" r:id="rId14"/>
-    <p:sldId id="267" r:id="rId15"/>
-    <p:sldId id="268" r:id="rId16"/>
-    <p:sldId id="269" r:id="rId17"/>
-    <p:sldId id="270" r:id="rId18"/>
-    <p:sldId id="271" r:id="rId19"/>
-    <p:sldId id="272" r:id="rId20"/>
-    <p:sldId id="275" r:id="rId21"/>
+    <p:sldId id="276" r:id="rId11"/>
+    <p:sldId id="277" r:id="rId12"/>
+    <p:sldId id="263" r:id="rId13"/>
+    <p:sldId id="264" r:id="rId14"/>
+    <p:sldId id="278" r:id="rId15"/>
+    <p:sldId id="265" r:id="rId16"/>
+    <p:sldId id="266" r:id="rId17"/>
+    <p:sldId id="267" r:id="rId18"/>
+    <p:sldId id="268" r:id="rId19"/>
+    <p:sldId id="269" r:id="rId20"/>
+    <p:sldId id="270" r:id="rId21"/>
+    <p:sldId id="271" r:id="rId22"/>
+    <p:sldId id="272" r:id="rId23"/>
+    <p:sldId id="275" r:id="rId24"/>
   </p:sldIdLst>
   <p:sldSz cx="12192000" cy="6858000"/>
   <p:notesSz cx="6858000" cy="9144000"/>
@@ -853,7 +856,7 @@
           <a:p>
             <a:fld id="{3A6CD7A2-3A93-4D19-9EF5-58B1828594B4}" type="datetimeFigureOut">
               <a:rPr lang="tr-TR" smtClean="0"/>
-              <a:t>21.02.2023</a:t>
+              <a:t>22.02.2023</a:t>
             </a:fld>
             <a:endParaRPr lang="tr-TR"/>
           </a:p>
@@ -1104,7 +1107,7 @@
           <a:p>
             <a:fld id="{3A6CD7A2-3A93-4D19-9EF5-58B1828594B4}" type="datetimeFigureOut">
               <a:rPr lang="tr-TR" smtClean="0"/>
-              <a:t>21.02.2023</a:t>
+              <a:t>22.02.2023</a:t>
             </a:fld>
             <a:endParaRPr lang="tr-TR"/>
           </a:p>
@@ -1418,7 +1421,7 @@
           <a:p>
             <a:fld id="{3A6CD7A2-3A93-4D19-9EF5-58B1828594B4}" type="datetimeFigureOut">
               <a:rPr lang="tr-TR" smtClean="0"/>
-              <a:t>21.02.2023</a:t>
+              <a:t>22.02.2023</a:t>
             </a:fld>
             <a:endParaRPr lang="tr-TR"/>
           </a:p>
@@ -1759,7 +1762,7 @@
           <a:p>
             <a:fld id="{3A6CD7A2-3A93-4D19-9EF5-58B1828594B4}" type="datetimeFigureOut">
               <a:rPr lang="tr-TR" smtClean="0"/>
-              <a:t>21.02.2023</a:t>
+              <a:t>22.02.2023</a:t>
             </a:fld>
             <a:endParaRPr lang="tr-TR"/>
           </a:p>
@@ -2073,7 +2076,7 @@
           <a:p>
             <a:fld id="{3A6CD7A2-3A93-4D19-9EF5-58B1828594B4}" type="datetimeFigureOut">
               <a:rPr lang="tr-TR" smtClean="0"/>
-              <a:t>21.02.2023</a:t>
+              <a:t>22.02.2023</a:t>
             </a:fld>
             <a:endParaRPr lang="tr-TR"/>
           </a:p>
@@ -2466,7 +2469,7 @@
           <a:p>
             <a:fld id="{3A6CD7A2-3A93-4D19-9EF5-58B1828594B4}" type="datetimeFigureOut">
               <a:rPr lang="tr-TR" smtClean="0"/>
-              <a:t>21.02.2023</a:t>
+              <a:t>22.02.2023</a:t>
             </a:fld>
             <a:endParaRPr lang="tr-TR"/>
           </a:p>
@@ -2636,7 +2639,7 @@
           <a:p>
             <a:fld id="{3A6CD7A2-3A93-4D19-9EF5-58B1828594B4}" type="datetimeFigureOut">
               <a:rPr lang="tr-TR" smtClean="0"/>
-              <a:t>21.02.2023</a:t>
+              <a:t>22.02.2023</a:t>
             </a:fld>
             <a:endParaRPr lang="tr-TR"/>
           </a:p>
@@ -2816,7 +2819,7 @@
           <a:p>
             <a:fld id="{3A6CD7A2-3A93-4D19-9EF5-58B1828594B4}" type="datetimeFigureOut">
               <a:rPr lang="tr-TR" smtClean="0"/>
-              <a:t>21.02.2023</a:t>
+              <a:t>22.02.2023</a:t>
             </a:fld>
             <a:endParaRPr lang="tr-TR"/>
           </a:p>
@@ -2992,7 +2995,7 @@
           <a:p>
             <a:fld id="{3A6CD7A2-3A93-4D19-9EF5-58B1828594B4}" type="datetimeFigureOut">
               <a:rPr lang="tr-TR" smtClean="0"/>
-              <a:t>21.02.2023</a:t>
+              <a:t>22.02.2023</a:t>
             </a:fld>
             <a:endParaRPr lang="tr-TR"/>
           </a:p>
@@ -3239,7 +3242,7 @@
           <a:p>
             <a:fld id="{3A6CD7A2-3A93-4D19-9EF5-58B1828594B4}" type="datetimeFigureOut">
               <a:rPr lang="tr-TR" smtClean="0"/>
-              <a:t>21.02.2023</a:t>
+              <a:t>22.02.2023</a:t>
             </a:fld>
             <a:endParaRPr lang="tr-TR"/>
           </a:p>
@@ -3471,7 +3474,7 @@
           <a:p>
             <a:fld id="{3A6CD7A2-3A93-4D19-9EF5-58B1828594B4}" type="datetimeFigureOut">
               <a:rPr lang="tr-TR" smtClean="0"/>
-              <a:t>21.02.2023</a:t>
+              <a:t>22.02.2023</a:t>
             </a:fld>
             <a:endParaRPr lang="tr-TR"/>
           </a:p>
@@ -3850,7 +3853,7 @@
           <a:p>
             <a:fld id="{3A6CD7A2-3A93-4D19-9EF5-58B1828594B4}" type="datetimeFigureOut">
               <a:rPr lang="tr-TR" smtClean="0"/>
-              <a:t>21.02.2023</a:t>
+              <a:t>22.02.2023</a:t>
             </a:fld>
             <a:endParaRPr lang="tr-TR"/>
           </a:p>
@@ -3978,7 +3981,7 @@
           <a:p>
             <a:fld id="{3A6CD7A2-3A93-4D19-9EF5-58B1828594B4}" type="datetimeFigureOut">
               <a:rPr lang="tr-TR" smtClean="0"/>
-              <a:t>21.02.2023</a:t>
+              <a:t>22.02.2023</a:t>
             </a:fld>
             <a:endParaRPr lang="tr-TR"/>
           </a:p>
@@ -4073,7 +4076,7 @@
           <a:p>
             <a:fld id="{3A6CD7A2-3A93-4D19-9EF5-58B1828594B4}" type="datetimeFigureOut">
               <a:rPr lang="tr-TR" smtClean="0"/>
-              <a:t>21.02.2023</a:t>
+              <a:t>22.02.2023</a:t>
             </a:fld>
             <a:endParaRPr lang="tr-TR"/>
           </a:p>
@@ -4328,7 +4331,7 @@
           <a:p>
             <a:fld id="{3A6CD7A2-3A93-4D19-9EF5-58B1828594B4}" type="datetimeFigureOut">
               <a:rPr lang="tr-TR" smtClean="0"/>
-              <a:t>21.02.2023</a:t>
+              <a:t>22.02.2023</a:t>
             </a:fld>
             <a:endParaRPr lang="tr-TR"/>
           </a:p>
@@ -4596,7 +4599,7 @@
           <a:p>
             <a:fld id="{3A6CD7A2-3A93-4D19-9EF5-58B1828594B4}" type="datetimeFigureOut">
               <a:rPr lang="tr-TR" smtClean="0"/>
-              <a:t>21.02.2023</a:t>
+              <a:t>22.02.2023</a:t>
             </a:fld>
             <a:endParaRPr lang="tr-TR"/>
           </a:p>
@@ -5339,7 +5342,7 @@
           <a:p>
             <a:fld id="{3A6CD7A2-3A93-4D19-9EF5-58B1828594B4}" type="datetimeFigureOut">
               <a:rPr lang="tr-TR" smtClean="0"/>
-              <a:t>21.02.2023</a:t>
+              <a:t>22.02.2023</a:t>
             </a:fld>
             <a:endParaRPr lang="tr-TR"/>
           </a:p>
@@ -6719,6 +6722,682 @@
 <file path=ppt/slides/slide10.xml><?xml version="1.0" encoding="utf-8"?>
 <p:sld xmlns:a="http://schemas.openxmlformats.org/drawingml/2006/main" xmlns:r="http://schemas.openxmlformats.org/officeDocument/2006/relationships" xmlns:p="http://schemas.openxmlformats.org/presentationml/2006/main">
   <p:cSld>
+    <p:bg>
+      <p:bgPr>
+        <a:solidFill>
+          <a:schemeClr val="bg1"/>
+        </a:solidFill>
+        <a:effectLst/>
+      </p:bgPr>
+    </p:bg>
+    <p:spTree>
+      <p:nvGrpSpPr>
+        <p:cNvPr id="1" name=""/>
+        <p:cNvGrpSpPr/>
+        <p:nvPr/>
+      </p:nvGrpSpPr>
+      <p:grpSpPr>
+        <a:xfrm>
+          <a:off x="0" y="0"/>
+          <a:ext cx="0" cy="0"/>
+          <a:chOff x="0" y="0"/>
+          <a:chExt cx="0" cy="0"/>
+        </a:xfrm>
+      </p:grpSpPr>
+      <p:pic>
+        <p:nvPicPr>
+          <p:cNvPr id="7" name="Resim 6">
+            <a:extLst>
+              <a:ext uri="{FF2B5EF4-FFF2-40B4-BE49-F238E27FC236}">
+                <a16:creationId xmlns:a16="http://schemas.microsoft.com/office/drawing/2014/main" id="{438C2359-3636-42D8-1DB6-78FC61107223}"/>
+              </a:ext>
+            </a:extLst>
+          </p:cNvPr>
+          <p:cNvPicPr>
+            <a:picLocks noChangeAspect="1"/>
+          </p:cNvPicPr>
+          <p:nvPr/>
+        </p:nvPicPr>
+        <p:blipFill>
+          <a:blip r:embed="rId2">
+            <a:extLst>
+              <a:ext uri="{28A0092B-C50C-407E-A947-70E740481C1C}">
+                <a14:useLocalDpi xmlns:a14="http://schemas.microsoft.com/office/drawing/2010/main" val="0"/>
+              </a:ext>
+            </a:extLst>
+          </a:blip>
+          <a:stretch>
+            <a:fillRect/>
+          </a:stretch>
+        </p:blipFill>
+        <p:spPr>
+          <a:xfrm>
+            <a:off x="1129115" y="733933"/>
+            <a:ext cx="4724569" cy="2362285"/>
+          </a:xfrm>
+          <a:prstGeom prst="rect">
+            <a:avLst/>
+          </a:prstGeom>
+        </p:spPr>
+      </p:pic>
+      <p:cxnSp>
+        <p:nvCxnSpPr>
+          <p:cNvPr id="18" name="Straight Connector 17">
+            <a:extLst>
+              <a:ext uri="{FF2B5EF4-FFF2-40B4-BE49-F238E27FC236}">
+                <a16:creationId xmlns:a16="http://schemas.microsoft.com/office/drawing/2014/main" id="{91B6081D-D3E8-4209-B85B-EB1C655A6272}"/>
+              </a:ext>
+              <a:ext uri="{C183D7F6-B498-43B3-948B-1728B52AA6E4}">
+                <adec:decorative xmlns:adec="http://schemas.microsoft.com/office/drawing/2017/decorative" val="1"/>
+              </a:ext>
+            </a:extLst>
+          </p:cNvPr>
+          <p:cNvCxnSpPr>
+            <a:cxnSpLocks noGrp="1" noRot="1" noChangeAspect="1" noMove="1" noResize="1" noEditPoints="1" noAdjustHandles="1" noChangeArrowheads="1" noChangeShapeType="1"/>
+          </p:cNvCxnSpPr>
+          <p:nvPr>
+            <p:extLst>
+              <p:ext uri="{386F3935-93C4-4BCD-93E2-E3B085C9AB24}">
+                <p16:designElem xmlns:p16="http://schemas.microsoft.com/office/powerpoint/2015/main" val="1"/>
+              </p:ext>
+            </p:extLst>
+          </p:nvPr>
+        </p:nvCxnSpPr>
+        <p:spPr>
+          <a:xfrm>
+            <a:off x="6091214" y="1111170"/>
+            <a:ext cx="11040" cy="4645103"/>
+          </a:xfrm>
+          <a:prstGeom prst="line">
+            <a:avLst/>
+          </a:prstGeom>
+          <a:ln w="19050">
+            <a:solidFill>
+              <a:srgbClr val="7F7F7F"/>
+            </a:solidFill>
+          </a:ln>
+        </p:spPr>
+        <p:style>
+          <a:lnRef idx="1">
+            <a:schemeClr val="accent1"/>
+          </a:lnRef>
+          <a:fillRef idx="0">
+            <a:schemeClr val="accent1"/>
+          </a:fillRef>
+          <a:effectRef idx="0">
+            <a:schemeClr val="accent1"/>
+          </a:effectRef>
+          <a:fontRef idx="minor">
+            <a:schemeClr val="tx1"/>
+          </a:fontRef>
+        </p:style>
+      </p:cxnSp>
+      <p:pic>
+        <p:nvPicPr>
+          <p:cNvPr id="11" name="Resim 10">
+            <a:extLst>
+              <a:ext uri="{FF2B5EF4-FFF2-40B4-BE49-F238E27FC236}">
+                <a16:creationId xmlns:a16="http://schemas.microsoft.com/office/drawing/2014/main" id="{80BDA948-EFCF-07B7-7EB1-49BB0FA84086}"/>
+              </a:ext>
+            </a:extLst>
+          </p:cNvPr>
+          <p:cNvPicPr>
+            <a:picLocks noChangeAspect="1"/>
+          </p:cNvPicPr>
+          <p:nvPr/>
+        </p:nvPicPr>
+        <p:blipFill>
+          <a:blip r:embed="rId3">
+            <a:extLst>
+              <a:ext uri="{28A0092B-C50C-407E-A947-70E740481C1C}">
+                <a14:useLocalDpi xmlns:a14="http://schemas.microsoft.com/office/drawing/2010/main" val="0"/>
+              </a:ext>
+            </a:extLst>
+          </a:blip>
+          <a:stretch>
+            <a:fillRect/>
+          </a:stretch>
+        </p:blipFill>
+        <p:spPr>
+          <a:xfrm>
+            <a:off x="6338316" y="731840"/>
+            <a:ext cx="4732940" cy="2366470"/>
+          </a:xfrm>
+          <a:prstGeom prst="rect">
+            <a:avLst/>
+          </a:prstGeom>
+        </p:spPr>
+      </p:pic>
+      <p:cxnSp>
+        <p:nvCxnSpPr>
+          <p:cNvPr id="20" name="Straight Connector 19">
+            <a:extLst>
+              <a:ext uri="{FF2B5EF4-FFF2-40B4-BE49-F238E27FC236}">
+                <a16:creationId xmlns:a16="http://schemas.microsoft.com/office/drawing/2014/main" id="{28CA55E4-1295-45C8-BA05-5A9E705B749A}"/>
+              </a:ext>
+              <a:ext uri="{C183D7F6-B498-43B3-948B-1728B52AA6E4}">
+                <adec:decorative xmlns:adec="http://schemas.microsoft.com/office/drawing/2017/decorative" val="1"/>
+              </a:ext>
+            </a:extLst>
+          </p:cNvPr>
+          <p:cNvCxnSpPr>
+            <a:cxnSpLocks noGrp="1" noRot="1" noChangeAspect="1" noMove="1" noResize="1" noEditPoints="1" noAdjustHandles="1" noChangeArrowheads="1" noChangeShapeType="1"/>
+          </p:cNvCxnSpPr>
+          <p:nvPr>
+            <p:extLst>
+              <p:ext uri="{386F3935-93C4-4BCD-93E2-E3B085C9AB24}">
+                <p16:designElem xmlns:p16="http://schemas.microsoft.com/office/powerpoint/2015/main" val="1"/>
+              </p:ext>
+            </p:extLst>
+          </p:nvPr>
+        </p:nvCxnSpPr>
+        <p:spPr>
+          <a:xfrm>
+            <a:off x="1403027" y="3428998"/>
+            <a:ext cx="4188904" cy="1"/>
+          </a:xfrm>
+          <a:prstGeom prst="line">
+            <a:avLst/>
+          </a:prstGeom>
+          <a:ln w="19050">
+            <a:solidFill>
+              <a:srgbClr val="7F7F7F"/>
+            </a:solidFill>
+          </a:ln>
+        </p:spPr>
+        <p:style>
+          <a:lnRef idx="1">
+            <a:schemeClr val="accent1"/>
+          </a:lnRef>
+          <a:fillRef idx="0">
+            <a:schemeClr val="accent1"/>
+          </a:fillRef>
+          <a:effectRef idx="0">
+            <a:schemeClr val="accent1"/>
+          </a:effectRef>
+          <a:fontRef idx="minor">
+            <a:schemeClr val="tx1"/>
+          </a:fontRef>
+        </p:style>
+      </p:cxnSp>
+      <p:cxnSp>
+        <p:nvCxnSpPr>
+          <p:cNvPr id="22" name="Straight Connector 21">
+            <a:extLst>
+              <a:ext uri="{FF2B5EF4-FFF2-40B4-BE49-F238E27FC236}">
+                <a16:creationId xmlns:a16="http://schemas.microsoft.com/office/drawing/2014/main" id="{08C5794E-A9A1-4A23-AF68-C79A7822334C}"/>
+              </a:ext>
+              <a:ext uri="{C183D7F6-B498-43B3-948B-1728B52AA6E4}">
+                <adec:decorative xmlns:adec="http://schemas.microsoft.com/office/drawing/2017/decorative" val="1"/>
+              </a:ext>
+            </a:extLst>
+          </p:cNvPr>
+          <p:cNvCxnSpPr>
+            <a:cxnSpLocks noGrp="1" noRot="1" noChangeAspect="1" noMove="1" noResize="1" noEditPoints="1" noAdjustHandles="1" noChangeArrowheads="1" noChangeShapeType="1"/>
+          </p:cNvCxnSpPr>
+          <p:nvPr>
+            <p:extLst>
+              <p:ext uri="{386F3935-93C4-4BCD-93E2-E3B085C9AB24}">
+                <p16:designElem xmlns:p16="http://schemas.microsoft.com/office/powerpoint/2015/main" val="1"/>
+              </p:ext>
+            </p:extLst>
+          </p:nvPr>
+        </p:nvCxnSpPr>
+        <p:spPr>
+          <a:xfrm>
+            <a:off x="6610334" y="3428998"/>
+            <a:ext cx="4188904" cy="1"/>
+          </a:xfrm>
+          <a:prstGeom prst="line">
+            <a:avLst/>
+          </a:prstGeom>
+          <a:ln w="19050">
+            <a:solidFill>
+              <a:srgbClr val="7F7F7F"/>
+            </a:solidFill>
+          </a:ln>
+        </p:spPr>
+        <p:style>
+          <a:lnRef idx="1">
+            <a:schemeClr val="accent1"/>
+          </a:lnRef>
+          <a:fillRef idx="0">
+            <a:schemeClr val="accent1"/>
+          </a:fillRef>
+          <a:effectRef idx="0">
+            <a:schemeClr val="accent1"/>
+          </a:effectRef>
+          <a:fontRef idx="minor">
+            <a:schemeClr val="tx1"/>
+          </a:fontRef>
+        </p:style>
+      </p:cxnSp>
+      <p:pic>
+        <p:nvPicPr>
+          <p:cNvPr id="13" name="Resim 12">
+            <a:extLst>
+              <a:ext uri="{FF2B5EF4-FFF2-40B4-BE49-F238E27FC236}">
+                <a16:creationId xmlns:a16="http://schemas.microsoft.com/office/drawing/2014/main" id="{BCC6F3EB-1C00-0775-E9DB-F4DA37F756FE}"/>
+              </a:ext>
+            </a:extLst>
+          </p:cNvPr>
+          <p:cNvPicPr>
+            <a:picLocks noChangeAspect="1"/>
+          </p:cNvPicPr>
+          <p:nvPr/>
+        </p:nvPicPr>
+        <p:blipFill>
+          <a:blip r:embed="rId4">
+            <a:extLst>
+              <a:ext uri="{28A0092B-C50C-407E-A947-70E740481C1C}">
+                <a14:useLocalDpi xmlns:a14="http://schemas.microsoft.com/office/drawing/2010/main" val="0"/>
+              </a:ext>
+            </a:extLst>
+          </a:blip>
+          <a:stretch>
+            <a:fillRect/>
+          </a:stretch>
+        </p:blipFill>
+        <p:spPr>
+          <a:xfrm>
+            <a:off x="1129115" y="3763104"/>
+            <a:ext cx="4724569" cy="2362285"/>
+          </a:xfrm>
+          <a:prstGeom prst="rect">
+            <a:avLst/>
+          </a:prstGeom>
+        </p:spPr>
+      </p:pic>
+      <p:pic>
+        <p:nvPicPr>
+          <p:cNvPr id="9" name="Resim 8" descr="tablo içeren bir resim&#10;&#10;Açıklama otomatik olarak oluşturuldu">
+            <a:extLst>
+              <a:ext uri="{FF2B5EF4-FFF2-40B4-BE49-F238E27FC236}">
+                <a16:creationId xmlns:a16="http://schemas.microsoft.com/office/drawing/2014/main" id="{96B78B49-AE25-75F0-B64C-9B5142E389A9}"/>
+              </a:ext>
+            </a:extLst>
+          </p:cNvPr>
+          <p:cNvPicPr>
+            <a:picLocks noChangeAspect="1"/>
+          </p:cNvPicPr>
+          <p:nvPr/>
+        </p:nvPicPr>
+        <p:blipFill>
+          <a:blip r:embed="rId5">
+            <a:extLst>
+              <a:ext uri="{28A0092B-C50C-407E-A947-70E740481C1C}">
+                <a14:useLocalDpi xmlns:a14="http://schemas.microsoft.com/office/drawing/2010/main" val="0"/>
+              </a:ext>
+            </a:extLst>
+          </a:blip>
+          <a:stretch>
+            <a:fillRect/>
+          </a:stretch>
+        </p:blipFill>
+        <p:spPr>
+          <a:xfrm>
+            <a:off x="6338316" y="3764815"/>
+            <a:ext cx="4732940" cy="2366470"/>
+          </a:xfrm>
+          <a:prstGeom prst="rect">
+            <a:avLst/>
+          </a:prstGeom>
+        </p:spPr>
+      </p:pic>
+    </p:spTree>
+    <p:extLst>
+      <p:ext uri="{BB962C8B-B14F-4D97-AF65-F5344CB8AC3E}">
+        <p14:creationId xmlns:p14="http://schemas.microsoft.com/office/powerpoint/2010/main" val="773312427"/>
+      </p:ext>
+    </p:extLst>
+  </p:cSld>
+  <p:clrMapOvr>
+    <a:masterClrMapping/>
+  </p:clrMapOvr>
+</p:sld>
+</file>
+
+<file path=ppt/slides/slide11.xml><?xml version="1.0" encoding="utf-8"?>
+<p:sld xmlns:a="http://schemas.openxmlformats.org/drawingml/2006/main" xmlns:r="http://schemas.openxmlformats.org/officeDocument/2006/relationships" xmlns:p="http://schemas.openxmlformats.org/presentationml/2006/main">
+  <p:cSld>
+    <p:bg>
+      <p:bgPr>
+        <a:solidFill>
+          <a:schemeClr val="bg1"/>
+        </a:solidFill>
+        <a:effectLst/>
+      </p:bgPr>
+    </p:bg>
+    <p:spTree>
+      <p:nvGrpSpPr>
+        <p:cNvPr id="1" name=""/>
+        <p:cNvGrpSpPr/>
+        <p:nvPr/>
+      </p:nvGrpSpPr>
+      <p:grpSpPr>
+        <a:xfrm>
+          <a:off x="0" y="0"/>
+          <a:ext cx="0" cy="0"/>
+          <a:chOff x="0" y="0"/>
+          <a:chExt cx="0" cy="0"/>
+        </a:xfrm>
+      </p:grpSpPr>
+      <p:pic>
+        <p:nvPicPr>
+          <p:cNvPr id="9" name="Resim 8">
+            <a:extLst>
+              <a:ext uri="{FF2B5EF4-FFF2-40B4-BE49-F238E27FC236}">
+                <a16:creationId xmlns:a16="http://schemas.microsoft.com/office/drawing/2014/main" id="{57E6C7B5-BFA0-19AA-60AA-98DB93813D3F}"/>
+              </a:ext>
+            </a:extLst>
+          </p:cNvPr>
+          <p:cNvPicPr>
+            <a:picLocks noChangeAspect="1"/>
+          </p:cNvPicPr>
+          <p:nvPr/>
+        </p:nvPicPr>
+        <p:blipFill>
+          <a:blip r:embed="rId2">
+            <a:extLst>
+              <a:ext uri="{28A0092B-C50C-407E-A947-70E740481C1C}">
+                <a14:useLocalDpi xmlns:a14="http://schemas.microsoft.com/office/drawing/2010/main" val="0"/>
+              </a:ext>
+            </a:extLst>
+          </a:blip>
+          <a:stretch>
+            <a:fillRect/>
+          </a:stretch>
+        </p:blipFill>
+        <p:spPr>
+          <a:xfrm>
+            <a:off x="1129115" y="733933"/>
+            <a:ext cx="4724569" cy="2362285"/>
+          </a:xfrm>
+          <a:prstGeom prst="rect">
+            <a:avLst/>
+          </a:prstGeom>
+        </p:spPr>
+      </p:pic>
+      <p:cxnSp>
+        <p:nvCxnSpPr>
+          <p:cNvPr id="16" name="Straight Connector 15">
+            <a:extLst>
+              <a:ext uri="{FF2B5EF4-FFF2-40B4-BE49-F238E27FC236}">
+                <a16:creationId xmlns:a16="http://schemas.microsoft.com/office/drawing/2014/main" id="{91B6081D-D3E8-4209-B85B-EB1C655A6272}"/>
+              </a:ext>
+              <a:ext uri="{C183D7F6-B498-43B3-948B-1728B52AA6E4}">
+                <adec:decorative xmlns:adec="http://schemas.microsoft.com/office/drawing/2017/decorative" val="1"/>
+              </a:ext>
+            </a:extLst>
+          </p:cNvPr>
+          <p:cNvCxnSpPr>
+            <a:cxnSpLocks noGrp="1" noRot="1" noChangeAspect="1" noMove="1" noResize="1" noEditPoints="1" noAdjustHandles="1" noChangeArrowheads="1" noChangeShapeType="1"/>
+          </p:cNvCxnSpPr>
+          <p:nvPr>
+            <p:extLst>
+              <p:ext uri="{386F3935-93C4-4BCD-93E2-E3B085C9AB24}">
+                <p16:designElem xmlns:p16="http://schemas.microsoft.com/office/powerpoint/2015/main" val="1"/>
+              </p:ext>
+            </p:extLst>
+          </p:nvPr>
+        </p:nvCxnSpPr>
+        <p:spPr>
+          <a:xfrm>
+            <a:off x="6091214" y="1111170"/>
+            <a:ext cx="11040" cy="4645103"/>
+          </a:xfrm>
+          <a:prstGeom prst="line">
+            <a:avLst/>
+          </a:prstGeom>
+          <a:ln w="19050">
+            <a:solidFill>
+              <a:srgbClr val="7F7F7F"/>
+            </a:solidFill>
+          </a:ln>
+        </p:spPr>
+        <p:style>
+          <a:lnRef idx="1">
+            <a:schemeClr val="accent1"/>
+          </a:lnRef>
+          <a:fillRef idx="0">
+            <a:schemeClr val="accent1"/>
+          </a:fillRef>
+          <a:effectRef idx="0">
+            <a:schemeClr val="accent1"/>
+          </a:effectRef>
+          <a:fontRef idx="minor">
+            <a:schemeClr val="tx1"/>
+          </a:fontRef>
+        </p:style>
+      </p:cxnSp>
+      <p:pic>
+        <p:nvPicPr>
+          <p:cNvPr id="8" name="İçerik Yer Tutucusu 4">
+            <a:extLst>
+              <a:ext uri="{FF2B5EF4-FFF2-40B4-BE49-F238E27FC236}">
+                <a16:creationId xmlns:a16="http://schemas.microsoft.com/office/drawing/2014/main" id="{96385F1B-4F2B-259D-84F4-696AF4CF293C}"/>
+              </a:ext>
+            </a:extLst>
+          </p:cNvPr>
+          <p:cNvPicPr>
+            <a:picLocks noChangeAspect="1"/>
+          </p:cNvPicPr>
+          <p:nvPr/>
+        </p:nvPicPr>
+        <p:blipFill>
+          <a:blip r:embed="rId3">
+            <a:extLst>
+              <a:ext uri="{28A0092B-C50C-407E-A947-70E740481C1C}">
+                <a14:useLocalDpi xmlns:a14="http://schemas.microsoft.com/office/drawing/2010/main" val="0"/>
+              </a:ext>
+            </a:extLst>
+          </a:blip>
+          <a:stretch>
+            <a:fillRect/>
+          </a:stretch>
+        </p:blipFill>
+        <p:spPr>
+          <a:xfrm>
+            <a:off x="6338316" y="731840"/>
+            <a:ext cx="4732940" cy="2366470"/>
+          </a:xfrm>
+          <a:prstGeom prst="rect">
+            <a:avLst/>
+          </a:prstGeom>
+        </p:spPr>
+      </p:pic>
+      <p:cxnSp>
+        <p:nvCxnSpPr>
+          <p:cNvPr id="18" name="Straight Connector 17">
+            <a:extLst>
+              <a:ext uri="{FF2B5EF4-FFF2-40B4-BE49-F238E27FC236}">
+                <a16:creationId xmlns:a16="http://schemas.microsoft.com/office/drawing/2014/main" id="{28CA55E4-1295-45C8-BA05-5A9E705B749A}"/>
+              </a:ext>
+              <a:ext uri="{C183D7F6-B498-43B3-948B-1728B52AA6E4}">
+                <adec:decorative xmlns:adec="http://schemas.microsoft.com/office/drawing/2017/decorative" val="1"/>
+              </a:ext>
+            </a:extLst>
+          </p:cNvPr>
+          <p:cNvCxnSpPr>
+            <a:cxnSpLocks noGrp="1" noRot="1" noChangeAspect="1" noMove="1" noResize="1" noEditPoints="1" noAdjustHandles="1" noChangeArrowheads="1" noChangeShapeType="1"/>
+          </p:cNvCxnSpPr>
+          <p:nvPr>
+            <p:extLst>
+              <p:ext uri="{386F3935-93C4-4BCD-93E2-E3B085C9AB24}">
+                <p16:designElem xmlns:p16="http://schemas.microsoft.com/office/powerpoint/2015/main" val="1"/>
+              </p:ext>
+            </p:extLst>
+          </p:nvPr>
+        </p:nvCxnSpPr>
+        <p:spPr>
+          <a:xfrm>
+            <a:off x="1403027" y="3428998"/>
+            <a:ext cx="4188904" cy="1"/>
+          </a:xfrm>
+          <a:prstGeom prst="line">
+            <a:avLst/>
+          </a:prstGeom>
+          <a:ln w="19050">
+            <a:solidFill>
+              <a:srgbClr val="7F7F7F"/>
+            </a:solidFill>
+          </a:ln>
+        </p:spPr>
+        <p:style>
+          <a:lnRef idx="1">
+            <a:schemeClr val="accent1"/>
+          </a:lnRef>
+          <a:fillRef idx="0">
+            <a:schemeClr val="accent1"/>
+          </a:fillRef>
+          <a:effectRef idx="0">
+            <a:schemeClr val="accent1"/>
+          </a:effectRef>
+          <a:fontRef idx="minor">
+            <a:schemeClr val="tx1"/>
+          </a:fontRef>
+        </p:style>
+      </p:cxnSp>
+      <p:cxnSp>
+        <p:nvCxnSpPr>
+          <p:cNvPr id="20" name="Straight Connector 19">
+            <a:extLst>
+              <a:ext uri="{FF2B5EF4-FFF2-40B4-BE49-F238E27FC236}">
+                <a16:creationId xmlns:a16="http://schemas.microsoft.com/office/drawing/2014/main" id="{08C5794E-A9A1-4A23-AF68-C79A7822334C}"/>
+              </a:ext>
+              <a:ext uri="{C183D7F6-B498-43B3-948B-1728B52AA6E4}">
+                <adec:decorative xmlns:adec="http://schemas.microsoft.com/office/drawing/2017/decorative" val="1"/>
+              </a:ext>
+            </a:extLst>
+          </p:cNvPr>
+          <p:cNvCxnSpPr>
+            <a:cxnSpLocks noGrp="1" noRot="1" noChangeAspect="1" noMove="1" noResize="1" noEditPoints="1" noAdjustHandles="1" noChangeArrowheads="1" noChangeShapeType="1"/>
+          </p:cNvCxnSpPr>
+          <p:nvPr>
+            <p:extLst>
+              <p:ext uri="{386F3935-93C4-4BCD-93E2-E3B085C9AB24}">
+                <p16:designElem xmlns:p16="http://schemas.microsoft.com/office/powerpoint/2015/main" val="1"/>
+              </p:ext>
+            </p:extLst>
+          </p:nvPr>
+        </p:nvCxnSpPr>
+        <p:spPr>
+          <a:xfrm>
+            <a:off x="6610334" y="3428998"/>
+            <a:ext cx="4188904" cy="1"/>
+          </a:xfrm>
+          <a:prstGeom prst="line">
+            <a:avLst/>
+          </a:prstGeom>
+          <a:ln w="19050">
+            <a:solidFill>
+              <a:srgbClr val="7F7F7F"/>
+            </a:solidFill>
+          </a:ln>
+        </p:spPr>
+        <p:style>
+          <a:lnRef idx="1">
+            <a:schemeClr val="accent1"/>
+          </a:lnRef>
+          <a:fillRef idx="0">
+            <a:schemeClr val="accent1"/>
+          </a:fillRef>
+          <a:effectRef idx="0">
+            <a:schemeClr val="accent1"/>
+          </a:effectRef>
+          <a:fontRef idx="minor">
+            <a:schemeClr val="tx1"/>
+          </a:fontRef>
+        </p:style>
+      </p:cxnSp>
+      <p:pic>
+        <p:nvPicPr>
+          <p:cNvPr id="10" name="Resim 9">
+            <a:extLst>
+              <a:ext uri="{FF2B5EF4-FFF2-40B4-BE49-F238E27FC236}">
+                <a16:creationId xmlns:a16="http://schemas.microsoft.com/office/drawing/2014/main" id="{C323A3F1-42D6-2FBE-6ECE-70C8D53A8D46}"/>
+              </a:ext>
+            </a:extLst>
+          </p:cNvPr>
+          <p:cNvPicPr>
+            <a:picLocks noChangeAspect="1"/>
+          </p:cNvPicPr>
+          <p:nvPr/>
+        </p:nvPicPr>
+        <p:blipFill>
+          <a:blip r:embed="rId4">
+            <a:extLst>
+              <a:ext uri="{28A0092B-C50C-407E-A947-70E740481C1C}">
+                <a14:useLocalDpi xmlns:a14="http://schemas.microsoft.com/office/drawing/2010/main" val="0"/>
+              </a:ext>
+            </a:extLst>
+          </a:blip>
+          <a:stretch>
+            <a:fillRect/>
+          </a:stretch>
+        </p:blipFill>
+        <p:spPr>
+          <a:xfrm>
+            <a:off x="1129115" y="3763104"/>
+            <a:ext cx="4724569" cy="2362285"/>
+          </a:xfrm>
+          <a:prstGeom prst="rect">
+            <a:avLst/>
+          </a:prstGeom>
+        </p:spPr>
+      </p:pic>
+      <p:pic>
+        <p:nvPicPr>
+          <p:cNvPr id="11" name="Resim 10">
+            <a:extLst>
+              <a:ext uri="{FF2B5EF4-FFF2-40B4-BE49-F238E27FC236}">
+                <a16:creationId xmlns:a16="http://schemas.microsoft.com/office/drawing/2014/main" id="{9EFB545F-986E-761F-174D-1DBEF0C64C7A}"/>
+              </a:ext>
+            </a:extLst>
+          </p:cNvPr>
+          <p:cNvPicPr>
+            <a:picLocks noChangeAspect="1"/>
+          </p:cNvPicPr>
+          <p:nvPr/>
+        </p:nvPicPr>
+        <p:blipFill>
+          <a:blip r:embed="rId5">
+            <a:extLst>
+              <a:ext uri="{28A0092B-C50C-407E-A947-70E740481C1C}">
+                <a14:useLocalDpi xmlns:a14="http://schemas.microsoft.com/office/drawing/2010/main" val="0"/>
+              </a:ext>
+            </a:extLst>
+          </a:blip>
+          <a:stretch>
+            <a:fillRect/>
+          </a:stretch>
+        </p:blipFill>
+        <p:spPr>
+          <a:xfrm>
+            <a:off x="6338316" y="3764815"/>
+            <a:ext cx="4732940" cy="2366470"/>
+          </a:xfrm>
+          <a:prstGeom prst="rect">
+            <a:avLst/>
+          </a:prstGeom>
+        </p:spPr>
+      </p:pic>
+    </p:spTree>
+    <p:extLst>
+      <p:ext uri="{BB962C8B-B14F-4D97-AF65-F5344CB8AC3E}">
+        <p14:creationId xmlns:p14="http://schemas.microsoft.com/office/powerpoint/2010/main" val="3481618401"/>
+      </p:ext>
+    </p:extLst>
+  </p:cSld>
+  <p:clrMapOvr>
+    <a:masterClrMapping/>
+  </p:clrMapOvr>
+</p:sld>
+</file>
+
+<file path=ppt/slides/slide12.xml><?xml version="1.0" encoding="utf-8"?>
+<p:sld xmlns:a="http://schemas.openxmlformats.org/drawingml/2006/main" xmlns:r="http://schemas.openxmlformats.org/officeDocument/2006/relationships" xmlns:p="http://schemas.openxmlformats.org/presentationml/2006/main">
+  <p:cSld>
     <p:spTree>
       <p:nvGrpSpPr>
         <p:cNvPr id="1" name=""/>
@@ -6803,20 +7482,538 @@
             <p:ph idx="1"/>
           </p:nvPr>
         </p:nvSpPr>
-        <p:spPr/>
+        <p:spPr>
+          <a:xfrm>
+            <a:off x="677334" y="1371601"/>
+            <a:ext cx="8596668" cy="4669762"/>
+          </a:xfrm>
+        </p:spPr>
         <p:txBody>
-          <a:bodyPr/>
+          <a:bodyPr>
+            <a:normAutofit lnSpcReduction="10000"/>
+          </a:bodyPr>
           <a:lstStyle/>
           <a:p>
             <a:r>
+              <a:rPr lang="tr-TR" b="1" dirty="0">
+                <a:solidFill>
+                  <a:srgbClr val="383A42"/>
+                </a:solidFill>
+                <a:latin typeface="Consolas" panose="020B0609020204030204" pitchFamily="49" charset="0"/>
+              </a:rPr>
+              <a:t>L</a:t>
+            </a:r>
+            <a:r>
+              <a:rPr lang="tr-TR" b="1" dirty="0">
+                <a:solidFill>
+                  <a:srgbClr val="383A42"/>
+                </a:solidFill>
+                <a:effectLst/>
+                <a:latin typeface="Consolas" panose="020B0609020204030204" pitchFamily="49" charset="0"/>
+              </a:rPr>
+              <a:t>og-</a:t>
+            </a:r>
+            <a:r>
+              <a:rPr lang="tr-TR" b="1" dirty="0" err="1">
+                <a:solidFill>
+                  <a:srgbClr val="383A42"/>
+                </a:solidFill>
+                <a:effectLst/>
+                <a:latin typeface="Consolas" panose="020B0609020204030204" pitchFamily="49" charset="0"/>
+              </a:rPr>
+              <a:t>transform</a:t>
+            </a:r>
+            <a:r>
+              <a:rPr lang="tr-TR" b="1" dirty="0">
+                <a:solidFill>
+                  <a:srgbClr val="383A42"/>
+                </a:solidFill>
+                <a:effectLst/>
+                <a:latin typeface="Consolas" panose="020B0609020204030204" pitchFamily="49" charset="0"/>
+              </a:rPr>
+              <a:t> </a:t>
+            </a:r>
+            <a:r>
+              <a:rPr lang="tr-TR" b="1" dirty="0" err="1">
+                <a:solidFill>
+                  <a:srgbClr val="383A42"/>
+                </a:solidFill>
+                <a:effectLst/>
+                <a:latin typeface="Consolas" panose="020B0609020204030204" pitchFamily="49" charset="0"/>
+              </a:rPr>
+              <a:t>the</a:t>
+            </a:r>
+            <a:r>
+              <a:rPr lang="tr-TR" b="1" dirty="0">
+                <a:solidFill>
+                  <a:srgbClr val="383A42"/>
+                </a:solidFill>
+                <a:effectLst/>
+                <a:latin typeface="Consolas" panose="020B0609020204030204" pitchFamily="49" charset="0"/>
+              </a:rPr>
+              <a:t> </a:t>
+            </a:r>
+            <a:r>
+              <a:rPr lang="tr-TR" b="1" dirty="0" err="1">
+                <a:solidFill>
+                  <a:srgbClr val="383A42"/>
+                </a:solidFill>
+                <a:effectLst/>
+                <a:latin typeface="Consolas" panose="020B0609020204030204" pitchFamily="49" charset="0"/>
+              </a:rPr>
+              <a:t>skewed</a:t>
+            </a:r>
+            <a:r>
+              <a:rPr lang="tr-TR" b="1" dirty="0">
+                <a:solidFill>
+                  <a:srgbClr val="383A42"/>
+                </a:solidFill>
+                <a:effectLst/>
+                <a:latin typeface="Consolas" panose="020B0609020204030204" pitchFamily="49" charset="0"/>
+              </a:rPr>
+              <a:t> </a:t>
+            </a:r>
+            <a:r>
+              <a:rPr lang="tr-TR" b="1" dirty="0" err="1">
+                <a:solidFill>
+                  <a:srgbClr val="383A42"/>
+                </a:solidFill>
+                <a:effectLst/>
+                <a:latin typeface="Consolas" panose="020B0609020204030204" pitchFamily="49" charset="0"/>
+              </a:rPr>
+              <a:t>features</a:t>
+            </a:r>
+            <a:endParaRPr lang="tr-TR" b="1" dirty="0">
+              <a:solidFill>
+                <a:srgbClr val="383A42"/>
+              </a:solidFill>
+              <a:effectLst/>
+              <a:latin typeface="Consolas" panose="020B0609020204030204" pitchFamily="49" charset="0"/>
+            </a:endParaRPr>
+          </a:p>
+          <a:p>
+            <a:pPr marL="0" indent="0">
+              <a:buNone/>
+            </a:pPr>
+            <a:r>
+              <a:rPr lang="tr-TR" dirty="0" err="1">
+                <a:solidFill>
+                  <a:srgbClr val="383A42"/>
+                </a:solidFill>
+                <a:latin typeface="Consolas" panose="020B0609020204030204" pitchFamily="49" charset="0"/>
+              </a:rPr>
+              <a:t>Skewness</a:t>
+            </a:r>
+            <a:r>
               <a:rPr lang="tr-TR" dirty="0">
                 <a:solidFill>
                   <a:srgbClr val="383A42"/>
                 </a:solidFill>
                 <a:latin typeface="Consolas" panose="020B0609020204030204" pitchFamily="49" charset="0"/>
               </a:rPr>
-              <a:t>L</a:t>
-            </a:r>
+              <a:t> </a:t>
+            </a:r>
+            <a:r>
+              <a:rPr lang="tr-TR" dirty="0" err="1">
+                <a:solidFill>
+                  <a:srgbClr val="383A42"/>
+                </a:solidFill>
+                <a:latin typeface="Consolas" panose="020B0609020204030204" pitchFamily="49" charset="0"/>
+              </a:rPr>
+              <a:t>indicates</a:t>
+            </a:r>
+            <a:r>
+              <a:rPr lang="tr-TR" dirty="0">
+                <a:solidFill>
+                  <a:srgbClr val="383A42"/>
+                </a:solidFill>
+                <a:latin typeface="Consolas" panose="020B0609020204030204" pitchFamily="49" charset="0"/>
+              </a:rPr>
+              <a:t> </a:t>
+            </a:r>
+            <a:r>
+              <a:rPr lang="tr-TR" dirty="0" err="1">
+                <a:solidFill>
+                  <a:srgbClr val="383A42"/>
+                </a:solidFill>
+                <a:latin typeface="Consolas" panose="020B0609020204030204" pitchFamily="49" charset="0"/>
+              </a:rPr>
+              <a:t>whether</a:t>
+            </a:r>
+            <a:r>
+              <a:rPr lang="tr-TR" dirty="0">
+                <a:solidFill>
+                  <a:srgbClr val="383A42"/>
+                </a:solidFill>
+                <a:latin typeface="Consolas" panose="020B0609020204030204" pitchFamily="49" charset="0"/>
+              </a:rPr>
+              <a:t> </a:t>
+            </a:r>
+            <a:r>
+              <a:rPr lang="tr-TR" dirty="0" err="1">
+                <a:solidFill>
+                  <a:srgbClr val="383A42"/>
+                </a:solidFill>
+                <a:latin typeface="Consolas" panose="020B0609020204030204" pitchFamily="49" charset="0"/>
+              </a:rPr>
+              <a:t>the</a:t>
+            </a:r>
+            <a:r>
+              <a:rPr lang="tr-TR" dirty="0">
+                <a:solidFill>
+                  <a:srgbClr val="383A42"/>
+                </a:solidFill>
+                <a:latin typeface="Consolas" panose="020B0609020204030204" pitchFamily="49" charset="0"/>
+              </a:rPr>
+              <a:t> data is </a:t>
+            </a:r>
+            <a:r>
+              <a:rPr lang="tr-TR" dirty="0" err="1">
+                <a:solidFill>
+                  <a:srgbClr val="383A42"/>
+                </a:solidFill>
+                <a:latin typeface="Consolas" panose="020B0609020204030204" pitchFamily="49" charset="0"/>
+              </a:rPr>
+              <a:t>concentrated</a:t>
+            </a:r>
+            <a:r>
+              <a:rPr lang="tr-TR" dirty="0">
+                <a:solidFill>
+                  <a:srgbClr val="383A42"/>
+                </a:solidFill>
+                <a:latin typeface="Consolas" panose="020B0609020204030204" pitchFamily="49" charset="0"/>
+              </a:rPr>
+              <a:t> on </a:t>
+            </a:r>
+            <a:r>
+              <a:rPr lang="tr-TR" dirty="0" err="1">
+                <a:solidFill>
+                  <a:srgbClr val="383A42"/>
+                </a:solidFill>
+                <a:latin typeface="Consolas" panose="020B0609020204030204" pitchFamily="49" charset="0"/>
+              </a:rPr>
+              <a:t>one</a:t>
+            </a:r>
+            <a:r>
+              <a:rPr lang="tr-TR" dirty="0">
+                <a:solidFill>
+                  <a:srgbClr val="383A42"/>
+                </a:solidFill>
+                <a:latin typeface="Consolas" panose="020B0609020204030204" pitchFamily="49" charset="0"/>
+              </a:rPr>
+              <a:t> </a:t>
+            </a:r>
+            <a:r>
+              <a:rPr lang="tr-TR" dirty="0" err="1">
+                <a:solidFill>
+                  <a:srgbClr val="383A42"/>
+                </a:solidFill>
+                <a:latin typeface="Consolas" panose="020B0609020204030204" pitchFamily="49" charset="0"/>
+              </a:rPr>
+              <a:t>side</a:t>
+            </a:r>
+            <a:r>
+              <a:rPr lang="tr-TR" dirty="0">
+                <a:solidFill>
+                  <a:srgbClr val="383A42"/>
+                </a:solidFill>
+                <a:latin typeface="Consolas" panose="020B0609020204030204" pitchFamily="49" charset="0"/>
+              </a:rPr>
+              <a:t>. </a:t>
+            </a:r>
+            <a:r>
+              <a:rPr lang="tr-TR" dirty="0" err="1">
+                <a:solidFill>
+                  <a:srgbClr val="383A42"/>
+                </a:solidFill>
+                <a:latin typeface="Consolas" panose="020B0609020204030204" pitchFamily="49" charset="0"/>
+              </a:rPr>
+              <a:t>If</a:t>
+            </a:r>
+            <a:r>
+              <a:rPr lang="tr-TR" dirty="0">
+                <a:solidFill>
+                  <a:srgbClr val="383A42"/>
+                </a:solidFill>
+                <a:latin typeface="Consolas" panose="020B0609020204030204" pitchFamily="49" charset="0"/>
+              </a:rPr>
+              <a:t> </a:t>
+            </a:r>
+            <a:r>
+              <a:rPr lang="tr-TR" dirty="0" err="1">
+                <a:solidFill>
+                  <a:srgbClr val="383A42"/>
+                </a:solidFill>
+                <a:latin typeface="Consolas" panose="020B0609020204030204" pitchFamily="49" charset="0"/>
+              </a:rPr>
+              <a:t>the</a:t>
+            </a:r>
+            <a:r>
+              <a:rPr lang="tr-TR" dirty="0">
+                <a:solidFill>
+                  <a:srgbClr val="383A42"/>
+                </a:solidFill>
+                <a:latin typeface="Consolas" panose="020B0609020204030204" pitchFamily="49" charset="0"/>
+              </a:rPr>
+              <a:t> </a:t>
+            </a:r>
+            <a:r>
+              <a:rPr lang="tr-TR" dirty="0" err="1">
+                <a:solidFill>
+                  <a:srgbClr val="383A42"/>
+                </a:solidFill>
+                <a:latin typeface="Consolas" panose="020B0609020204030204" pitchFamily="49" charset="0"/>
+              </a:rPr>
+              <a:t>mean</a:t>
+            </a:r>
+            <a:r>
+              <a:rPr lang="tr-TR" dirty="0">
+                <a:solidFill>
+                  <a:srgbClr val="383A42"/>
+                </a:solidFill>
+                <a:latin typeface="Consolas" panose="020B0609020204030204" pitchFamily="49" charset="0"/>
+              </a:rPr>
+              <a:t> is </a:t>
+            </a:r>
+            <a:r>
+              <a:rPr lang="tr-TR" dirty="0" err="1">
+                <a:solidFill>
+                  <a:srgbClr val="383A42"/>
+                </a:solidFill>
+                <a:latin typeface="Consolas" panose="020B0609020204030204" pitchFamily="49" charset="0"/>
+              </a:rPr>
+              <a:t>lower</a:t>
+            </a:r>
+            <a:r>
+              <a:rPr lang="tr-TR" dirty="0">
+                <a:solidFill>
+                  <a:srgbClr val="383A42"/>
+                </a:solidFill>
+                <a:latin typeface="Consolas" panose="020B0609020204030204" pitchFamily="49" charset="0"/>
+              </a:rPr>
+              <a:t> </a:t>
+            </a:r>
+            <a:r>
+              <a:rPr lang="tr-TR" dirty="0" err="1">
+                <a:solidFill>
+                  <a:srgbClr val="383A42"/>
+                </a:solidFill>
+                <a:latin typeface="Consolas" panose="020B0609020204030204" pitchFamily="49" charset="0"/>
+              </a:rPr>
+              <a:t>than</a:t>
+            </a:r>
+            <a:r>
+              <a:rPr lang="tr-TR" dirty="0">
+                <a:solidFill>
+                  <a:srgbClr val="383A42"/>
+                </a:solidFill>
+                <a:latin typeface="Consolas" panose="020B0609020204030204" pitchFamily="49" charset="0"/>
+              </a:rPr>
+              <a:t> </a:t>
+            </a:r>
+            <a:r>
+              <a:rPr lang="tr-TR" dirty="0" err="1">
+                <a:solidFill>
+                  <a:srgbClr val="383A42"/>
+                </a:solidFill>
+                <a:latin typeface="Consolas" panose="020B0609020204030204" pitchFamily="49" charset="0"/>
+              </a:rPr>
+              <a:t>the</a:t>
+            </a:r>
+            <a:r>
+              <a:rPr lang="tr-TR" dirty="0">
+                <a:solidFill>
+                  <a:srgbClr val="383A42"/>
+                </a:solidFill>
+                <a:latin typeface="Consolas" panose="020B0609020204030204" pitchFamily="49" charset="0"/>
+              </a:rPr>
+              <a:t> </a:t>
+            </a:r>
+            <a:r>
+              <a:rPr lang="tr-TR" dirty="0" err="1">
+                <a:solidFill>
+                  <a:srgbClr val="383A42"/>
+                </a:solidFill>
+                <a:latin typeface="Consolas" panose="020B0609020204030204" pitchFamily="49" charset="0"/>
+              </a:rPr>
+              <a:t>median</a:t>
+            </a:r>
+            <a:r>
+              <a:rPr lang="tr-TR" dirty="0">
+                <a:solidFill>
+                  <a:srgbClr val="383A42"/>
+                </a:solidFill>
+                <a:latin typeface="Consolas" panose="020B0609020204030204" pitchFamily="49" charset="0"/>
+              </a:rPr>
+              <a:t> it is </a:t>
+            </a:r>
+            <a:r>
+              <a:rPr lang="tr-TR" dirty="0" err="1">
+                <a:solidFill>
+                  <a:srgbClr val="383A42"/>
+                </a:solidFill>
+                <a:latin typeface="Consolas" panose="020B0609020204030204" pitchFamily="49" charset="0"/>
+              </a:rPr>
+              <a:t>left-skewed</a:t>
+            </a:r>
+            <a:r>
+              <a:rPr lang="tr-TR" dirty="0">
+                <a:solidFill>
+                  <a:srgbClr val="383A42"/>
+                </a:solidFill>
+                <a:latin typeface="Consolas" panose="020B0609020204030204" pitchFamily="49" charset="0"/>
+              </a:rPr>
+              <a:t> (</a:t>
+            </a:r>
+            <a:r>
+              <a:rPr lang="tr-TR" dirty="0" err="1">
+                <a:solidFill>
+                  <a:srgbClr val="383A42"/>
+                </a:solidFill>
+                <a:latin typeface="Consolas" panose="020B0609020204030204" pitchFamily="49" charset="0"/>
+              </a:rPr>
+              <a:t>negative</a:t>
+            </a:r>
+            <a:r>
+              <a:rPr lang="tr-TR" dirty="0">
+                <a:solidFill>
+                  <a:srgbClr val="383A42"/>
+                </a:solidFill>
+                <a:latin typeface="Consolas" panose="020B0609020204030204" pitchFamily="49" charset="0"/>
+              </a:rPr>
+              <a:t> </a:t>
+            </a:r>
+            <a:r>
+              <a:rPr lang="tr-TR" dirty="0" err="1">
+                <a:solidFill>
+                  <a:srgbClr val="383A42"/>
+                </a:solidFill>
+                <a:latin typeface="Consolas" panose="020B0609020204030204" pitchFamily="49" charset="0"/>
+              </a:rPr>
+              <a:t>skew</a:t>
+            </a:r>
+            <a:r>
+              <a:rPr lang="tr-TR" dirty="0">
+                <a:solidFill>
+                  <a:srgbClr val="383A42"/>
+                </a:solidFill>
+                <a:latin typeface="Consolas" panose="020B0609020204030204" pitchFamily="49" charset="0"/>
+              </a:rPr>
+              <a:t>). </a:t>
+            </a:r>
+            <a:r>
+              <a:rPr lang="tr-TR" dirty="0" err="1">
+                <a:solidFill>
+                  <a:srgbClr val="383A42"/>
+                </a:solidFill>
+                <a:latin typeface="Consolas" panose="020B0609020204030204" pitchFamily="49" charset="0"/>
+              </a:rPr>
+              <a:t>because</a:t>
+            </a:r>
+            <a:r>
+              <a:rPr lang="tr-TR" dirty="0">
+                <a:solidFill>
+                  <a:srgbClr val="383A42"/>
+                </a:solidFill>
+                <a:latin typeface="Consolas" panose="020B0609020204030204" pitchFamily="49" charset="0"/>
+              </a:rPr>
+              <a:t> </a:t>
+            </a:r>
+            <a:r>
+              <a:rPr lang="tr-TR" dirty="0" err="1">
+                <a:solidFill>
+                  <a:srgbClr val="383A42"/>
+                </a:solidFill>
+                <a:latin typeface="Consolas" panose="020B0609020204030204" pitchFamily="49" charset="0"/>
+              </a:rPr>
+              <a:t>outliers</a:t>
+            </a:r>
+            <a:r>
+              <a:rPr lang="tr-TR" dirty="0">
+                <a:solidFill>
+                  <a:srgbClr val="383A42"/>
+                </a:solidFill>
+                <a:latin typeface="Consolas" panose="020B0609020204030204" pitchFamily="49" charset="0"/>
+              </a:rPr>
+              <a:t> </a:t>
+            </a:r>
+            <a:r>
+              <a:rPr lang="tr-TR" dirty="0" err="1">
+                <a:solidFill>
+                  <a:srgbClr val="383A42"/>
+                </a:solidFill>
+                <a:latin typeface="Consolas" panose="020B0609020204030204" pitchFamily="49" charset="0"/>
+              </a:rPr>
+              <a:t>are</a:t>
+            </a:r>
+            <a:r>
+              <a:rPr lang="tr-TR" dirty="0">
+                <a:solidFill>
+                  <a:srgbClr val="383A42"/>
+                </a:solidFill>
+                <a:latin typeface="Consolas" panose="020B0609020204030204" pitchFamily="49" charset="0"/>
+              </a:rPr>
+              <a:t> </a:t>
+            </a:r>
+            <a:r>
+              <a:rPr lang="tr-TR" dirty="0" err="1">
+                <a:solidFill>
+                  <a:srgbClr val="383A42"/>
+                </a:solidFill>
+                <a:latin typeface="Consolas" panose="020B0609020204030204" pitchFamily="49" charset="0"/>
+              </a:rPr>
+              <a:t>to</a:t>
+            </a:r>
+            <a:r>
+              <a:rPr lang="tr-TR" dirty="0">
+                <a:solidFill>
+                  <a:srgbClr val="383A42"/>
+                </a:solidFill>
+                <a:latin typeface="Consolas" panose="020B0609020204030204" pitchFamily="49" charset="0"/>
+              </a:rPr>
+              <a:t> </a:t>
+            </a:r>
+            <a:r>
+              <a:rPr lang="tr-TR" dirty="0" err="1">
+                <a:solidFill>
+                  <a:srgbClr val="383A42"/>
+                </a:solidFill>
+                <a:latin typeface="Consolas" panose="020B0609020204030204" pitchFamily="49" charset="0"/>
+              </a:rPr>
+              <a:t>the</a:t>
+            </a:r>
+            <a:r>
+              <a:rPr lang="tr-TR" dirty="0">
+                <a:solidFill>
+                  <a:srgbClr val="383A42"/>
+                </a:solidFill>
+                <a:latin typeface="Consolas" panose="020B0609020204030204" pitchFamily="49" charset="0"/>
+              </a:rPr>
+              <a:t> </a:t>
+            </a:r>
+            <a:r>
+              <a:rPr lang="tr-TR" dirty="0" err="1">
+                <a:solidFill>
+                  <a:srgbClr val="383A42"/>
+                </a:solidFill>
+                <a:latin typeface="Consolas" panose="020B0609020204030204" pitchFamily="49" charset="0"/>
+              </a:rPr>
+              <a:t>left</a:t>
+            </a:r>
+            <a:r>
+              <a:rPr lang="tr-TR" dirty="0">
+                <a:solidFill>
+                  <a:srgbClr val="383A42"/>
+                </a:solidFill>
+                <a:latin typeface="Consolas" panose="020B0609020204030204" pitchFamily="49" charset="0"/>
+              </a:rPr>
+              <a:t>.</a:t>
+            </a:r>
+          </a:p>
+          <a:p>
+            <a:pPr marL="0" indent="0">
+              <a:buNone/>
+            </a:pPr>
             <a:r>
               <a:rPr lang="tr-TR" b="0" dirty="0">
                 <a:solidFill>
@@ -6825,77 +8022,17 @@
                 <a:effectLst/>
                 <a:latin typeface="Consolas" panose="020B0609020204030204" pitchFamily="49" charset="0"/>
               </a:rPr>
-              <a:t>og-</a:t>
-            </a:r>
-            <a:r>
-              <a:rPr lang="tr-TR" b="0" dirty="0" err="1">
+              <a:t>«</a:t>
+            </a:r>
+            <a:r>
+              <a:rPr lang="en-US" b="0" dirty="0">
                 <a:solidFill>
                   <a:srgbClr val="383A42"/>
                 </a:solidFill>
                 <a:effectLst/>
                 <a:latin typeface="Consolas" panose="020B0609020204030204" pitchFamily="49" charset="0"/>
               </a:rPr>
-              <a:t>transform</a:t>
-            </a:r>
-            <a:r>
-              <a:rPr lang="tr-TR" b="0" dirty="0">
-                <a:solidFill>
-                  <a:srgbClr val="383A42"/>
-                </a:solidFill>
-                <a:effectLst/>
-                <a:latin typeface="Consolas" panose="020B0609020204030204" pitchFamily="49" charset="0"/>
-              </a:rPr>
-              <a:t> </a:t>
-            </a:r>
-            <a:r>
-              <a:rPr lang="tr-TR" b="0" dirty="0" err="1">
-                <a:solidFill>
-                  <a:srgbClr val="383A42"/>
-                </a:solidFill>
-                <a:effectLst/>
-                <a:latin typeface="Consolas" panose="020B0609020204030204" pitchFamily="49" charset="0"/>
-              </a:rPr>
-              <a:t>the</a:t>
-            </a:r>
-            <a:r>
-              <a:rPr lang="tr-TR" b="0" dirty="0">
-                <a:solidFill>
-                  <a:srgbClr val="383A42"/>
-                </a:solidFill>
-                <a:effectLst/>
-                <a:latin typeface="Consolas" panose="020B0609020204030204" pitchFamily="49" charset="0"/>
-              </a:rPr>
-              <a:t> </a:t>
-            </a:r>
-            <a:r>
-              <a:rPr lang="tr-TR" b="0" dirty="0" err="1">
-                <a:solidFill>
-                  <a:srgbClr val="383A42"/>
-                </a:solidFill>
-                <a:effectLst/>
-                <a:latin typeface="Consolas" panose="020B0609020204030204" pitchFamily="49" charset="0"/>
-              </a:rPr>
-              <a:t>skewed</a:t>
-            </a:r>
-            <a:r>
-              <a:rPr lang="tr-TR" b="0" dirty="0">
-                <a:solidFill>
-                  <a:srgbClr val="383A42"/>
-                </a:solidFill>
-                <a:effectLst/>
-                <a:latin typeface="Consolas" panose="020B0609020204030204" pitchFamily="49" charset="0"/>
-              </a:rPr>
-              <a:t> </a:t>
-            </a:r>
-            <a:r>
-              <a:rPr lang="tr-TR" b="0" dirty="0" err="1">
-                <a:solidFill>
-                  <a:srgbClr val="383A42"/>
-                </a:solidFill>
-                <a:effectLst/>
-                <a:latin typeface="Consolas" panose="020B0609020204030204" pitchFamily="49" charset="0"/>
-              </a:rPr>
-              <a:t>features</a:t>
+              <a:t>Log transformation is a data transformation method in which it replaces each variable x with a log(x).</a:t>
             </a:r>
             <a:endParaRPr lang="tr-TR" b="0" dirty="0">
               <a:solidFill>
@@ -6910,445 +8047,105 @@
               <a:buNone/>
             </a:pPr>
             <a:r>
-              <a:rPr lang="tr-TR" dirty="0" err="1">
+              <a:rPr lang="tr-TR" dirty="0">
                 <a:solidFill>
                   <a:srgbClr val="383A42"/>
                 </a:solidFill>
                 <a:latin typeface="Consolas" panose="020B0609020204030204" pitchFamily="49" charset="0"/>
               </a:rPr>
-              <a:t>Skewness</a:t>
-            </a:r>
-            <a:r>
-              <a:rPr lang="tr-TR" dirty="0">
+              <a:t>T</a:t>
+            </a:r>
+            <a:r>
+              <a:rPr lang="en-US" b="0" dirty="0">
                 <a:solidFill>
                   <a:srgbClr val="383A42"/>
                 </a:solidFill>
+                <a:effectLst/>
+                <a:latin typeface="Consolas" panose="020B0609020204030204" pitchFamily="49" charset="0"/>
+              </a:rPr>
+              <a:t>he most popular among the different types of transformations used to transform skewed data to approximately conform to normality.</a:t>
+            </a:r>
+            <a:r>
+              <a:rPr lang="tr-TR" b="0" dirty="0">
+                <a:solidFill>
+                  <a:srgbClr val="383A42"/>
+                </a:solidFill>
+                <a:effectLst/>
+                <a:latin typeface="Consolas" panose="020B0609020204030204" pitchFamily="49" charset="0"/>
+              </a:rPr>
+              <a:t>»</a:t>
+            </a:r>
+          </a:p>
+          <a:p>
+            <a:r>
+              <a:rPr lang="tr-TR" b="1" dirty="0" err="1">
+                <a:solidFill>
+                  <a:srgbClr val="383A42"/>
+                </a:solidFill>
+                <a:effectLst/>
+                <a:latin typeface="Consolas" panose="020B0609020204030204" pitchFamily="49" charset="0"/>
+              </a:rPr>
+              <a:t>Normalizing</a:t>
+            </a:r>
+            <a:r>
+              <a:rPr lang="tr-TR" b="1" dirty="0">
+                <a:solidFill>
+                  <a:srgbClr val="383A42"/>
+                </a:solidFill>
+                <a:effectLst/>
                 <a:latin typeface="Consolas" panose="020B0609020204030204" pitchFamily="49" charset="0"/>
               </a:rPr>
               <a:t> </a:t>
             </a:r>
             <a:r>
-              <a:rPr lang="tr-TR" dirty="0" err="1">
+              <a:rPr lang="tr-TR" b="1" dirty="0" err="1">
                 <a:solidFill>
                   <a:srgbClr val="383A42"/>
                 </a:solidFill>
                 <a:latin typeface="Consolas" panose="020B0609020204030204" pitchFamily="49" charset="0"/>
               </a:rPr>
-              <a:t>indicates</a:t>
-            </a:r>
-            <a:r>
-              <a:rPr lang="tr-TR" dirty="0">
+              <a:t>n</a:t>
+            </a:r>
+            <a:r>
+              <a:rPr lang="tr-TR" b="1" dirty="0" err="1">
                 <a:solidFill>
                   <a:srgbClr val="383A42"/>
                 </a:solidFill>
+                <a:effectLst/>
+                <a:latin typeface="Consolas" panose="020B0609020204030204" pitchFamily="49" charset="0"/>
+              </a:rPr>
+              <a:t>umerical</a:t>
+            </a:r>
+            <a:r>
+              <a:rPr lang="tr-TR" b="1" dirty="0">
+                <a:solidFill>
+                  <a:srgbClr val="383A42"/>
+                </a:solidFill>
+                <a:effectLst/>
                 <a:latin typeface="Consolas" panose="020B0609020204030204" pitchFamily="49" charset="0"/>
               </a:rPr>
               <a:t> </a:t>
             </a:r>
             <a:r>
-              <a:rPr lang="tr-TR" dirty="0" err="1">
+              <a:rPr lang="tr-TR" b="1" dirty="0" err="1">
                 <a:solidFill>
                   <a:srgbClr val="383A42"/>
                 </a:solidFill>
                 <a:latin typeface="Consolas" panose="020B0609020204030204" pitchFamily="49" charset="0"/>
               </a:rPr>
-              <a:t>whether</a:t>
-            </a:r>
-            <a:r>
-              <a:rPr lang="tr-TR" dirty="0">
+              <a:t>f</a:t>
+            </a:r>
+            <a:r>
+              <a:rPr lang="tr-TR" b="1" dirty="0" err="1">
                 <a:solidFill>
                   <a:srgbClr val="383A42"/>
                 </a:solidFill>
-                <a:latin typeface="Consolas" panose="020B0609020204030204" pitchFamily="49" charset="0"/>
-              </a:rPr>
-              <a:t> </a:t>
-            </a:r>
-            <a:r>
-              <a:rPr lang="tr-TR" dirty="0" err="1">
-                <a:solidFill>
-                  <a:srgbClr val="383A42"/>
-                </a:solidFill>
-                <a:latin typeface="Consolas" panose="020B0609020204030204" pitchFamily="49" charset="0"/>
-              </a:rPr>
-              <a:t>the</a:t>
-            </a:r>
-            <a:r>
-              <a:rPr lang="tr-TR" dirty="0">
-                <a:solidFill>
-                  <a:srgbClr val="383A42"/>
-                </a:solidFill>
-                <a:latin typeface="Consolas" panose="020B0609020204030204" pitchFamily="49" charset="0"/>
-              </a:rPr>
-              <a:t> data is </a:t>
-            </a:r>
-            <a:r>
-              <a:rPr lang="tr-TR" dirty="0" err="1">
-                <a:solidFill>
-                  <a:srgbClr val="383A42"/>
-                </a:solidFill>
-                <a:latin typeface="Consolas" panose="020B0609020204030204" pitchFamily="49" charset="0"/>
-              </a:rPr>
-              <a:t>concentrated</a:t>
-            </a:r>
-            <a:r>
-              <a:rPr lang="tr-TR" dirty="0">
-                <a:solidFill>
-                  <a:srgbClr val="383A42"/>
-                </a:solidFill>
-                <a:latin typeface="Consolas" panose="020B0609020204030204" pitchFamily="49" charset="0"/>
-              </a:rPr>
-              <a:t> on </a:t>
-            </a:r>
-            <a:r>
-              <a:rPr lang="tr-TR" dirty="0" err="1">
-                <a:solidFill>
-                  <a:srgbClr val="383A42"/>
-                </a:solidFill>
-                <a:latin typeface="Consolas" panose="020B0609020204030204" pitchFamily="49" charset="0"/>
-              </a:rPr>
-              <a:t>one</a:t>
-            </a:r>
-            <a:r>
-              <a:rPr lang="tr-TR" dirty="0">
-                <a:solidFill>
-                  <a:srgbClr val="383A42"/>
-                </a:solidFill>
-                <a:latin typeface="Consolas" panose="020B0609020204030204" pitchFamily="49" charset="0"/>
-              </a:rPr>
-              <a:t> </a:t>
-            </a:r>
-            <a:r>
-              <a:rPr lang="tr-TR" dirty="0" err="1">
-                <a:solidFill>
-                  <a:srgbClr val="383A42"/>
-                </a:solidFill>
-                <a:latin typeface="Consolas" panose="020B0609020204030204" pitchFamily="49" charset="0"/>
-              </a:rPr>
-              <a:t>side</a:t>
-            </a:r>
-            <a:r>
-              <a:rPr lang="tr-TR" dirty="0">
-                <a:solidFill>
-                  <a:srgbClr val="383A42"/>
-                </a:solidFill>
-                <a:latin typeface="Consolas" panose="020B0609020204030204" pitchFamily="49" charset="0"/>
-              </a:rPr>
-              <a:t>. </a:t>
-            </a:r>
-            <a:r>
-              <a:rPr lang="tr-TR" dirty="0" err="1">
-                <a:solidFill>
-                  <a:srgbClr val="383A42"/>
-                </a:solidFill>
-                <a:latin typeface="Consolas" panose="020B0609020204030204" pitchFamily="49" charset="0"/>
-              </a:rPr>
-              <a:t>If</a:t>
-            </a:r>
-            <a:r>
-              <a:rPr lang="tr-TR" dirty="0">
-                <a:solidFill>
-                  <a:srgbClr val="383A42"/>
-                </a:solidFill>
-                <a:latin typeface="Consolas" panose="020B0609020204030204" pitchFamily="49" charset="0"/>
-              </a:rPr>
-              <a:t> </a:t>
-            </a:r>
-            <a:r>
-              <a:rPr lang="tr-TR" dirty="0" err="1">
-                <a:solidFill>
-                  <a:srgbClr val="383A42"/>
-                </a:solidFill>
-                <a:latin typeface="Consolas" panose="020B0609020204030204" pitchFamily="49" charset="0"/>
-              </a:rPr>
-              <a:t>the</a:t>
-            </a:r>
-            <a:r>
-              <a:rPr lang="tr-TR" dirty="0">
-                <a:solidFill>
-                  <a:srgbClr val="383A42"/>
-                </a:solidFill>
-                <a:latin typeface="Consolas" panose="020B0609020204030204" pitchFamily="49" charset="0"/>
-              </a:rPr>
-              <a:t> </a:t>
-            </a:r>
-            <a:r>
-              <a:rPr lang="tr-TR" dirty="0" err="1">
-                <a:solidFill>
-                  <a:srgbClr val="383A42"/>
-                </a:solidFill>
-                <a:latin typeface="Consolas" panose="020B0609020204030204" pitchFamily="49" charset="0"/>
-              </a:rPr>
-              <a:t>mean</a:t>
-            </a:r>
-            <a:r>
-              <a:rPr lang="tr-TR" dirty="0">
-                <a:solidFill>
-                  <a:srgbClr val="383A42"/>
-                </a:solidFill>
-                <a:latin typeface="Consolas" panose="020B0609020204030204" pitchFamily="49" charset="0"/>
-              </a:rPr>
-              <a:t> is </a:t>
-            </a:r>
-            <a:r>
-              <a:rPr lang="tr-TR" dirty="0" err="1">
-                <a:solidFill>
-                  <a:srgbClr val="383A42"/>
-                </a:solidFill>
-                <a:latin typeface="Consolas" panose="020B0609020204030204" pitchFamily="49" charset="0"/>
-              </a:rPr>
-              <a:t>lower</a:t>
-            </a:r>
-            <a:r>
-              <a:rPr lang="tr-TR" dirty="0">
-                <a:solidFill>
-                  <a:srgbClr val="383A42"/>
-                </a:solidFill>
-                <a:latin typeface="Consolas" panose="020B0609020204030204" pitchFamily="49" charset="0"/>
-              </a:rPr>
-              <a:t> </a:t>
-            </a:r>
-            <a:r>
-              <a:rPr lang="tr-TR" dirty="0" err="1">
-                <a:solidFill>
-                  <a:srgbClr val="383A42"/>
-                </a:solidFill>
-                <a:latin typeface="Consolas" panose="020B0609020204030204" pitchFamily="49" charset="0"/>
-              </a:rPr>
-              <a:t>than</a:t>
-            </a:r>
-            <a:r>
-              <a:rPr lang="tr-TR" dirty="0">
-                <a:solidFill>
-                  <a:srgbClr val="383A42"/>
-                </a:solidFill>
-                <a:latin typeface="Consolas" panose="020B0609020204030204" pitchFamily="49" charset="0"/>
-              </a:rPr>
-              <a:t> </a:t>
-            </a:r>
-            <a:r>
-              <a:rPr lang="tr-TR" dirty="0" err="1">
-                <a:solidFill>
-                  <a:srgbClr val="383A42"/>
-                </a:solidFill>
-                <a:latin typeface="Consolas" panose="020B0609020204030204" pitchFamily="49" charset="0"/>
-              </a:rPr>
-              <a:t>the</a:t>
-            </a:r>
-            <a:r>
-              <a:rPr lang="tr-TR" dirty="0">
-                <a:solidFill>
-                  <a:srgbClr val="383A42"/>
-                </a:solidFill>
-                <a:latin typeface="Consolas" panose="020B0609020204030204" pitchFamily="49" charset="0"/>
-              </a:rPr>
-              <a:t> </a:t>
-            </a:r>
-            <a:r>
-              <a:rPr lang="tr-TR" dirty="0" err="1">
-                <a:solidFill>
-                  <a:srgbClr val="383A42"/>
-                </a:solidFill>
-                <a:latin typeface="Consolas" panose="020B0609020204030204" pitchFamily="49" charset="0"/>
-              </a:rPr>
-              <a:t>median</a:t>
-            </a:r>
-            <a:r>
-              <a:rPr lang="tr-TR" dirty="0">
-                <a:solidFill>
-                  <a:srgbClr val="383A42"/>
-                </a:solidFill>
-                <a:latin typeface="Consolas" panose="020B0609020204030204" pitchFamily="49" charset="0"/>
-              </a:rPr>
-              <a:t> it is </a:t>
-            </a:r>
-            <a:r>
-              <a:rPr lang="tr-TR" dirty="0" err="1">
-                <a:solidFill>
-                  <a:srgbClr val="383A42"/>
-                </a:solidFill>
-                <a:latin typeface="Consolas" panose="020B0609020204030204" pitchFamily="49" charset="0"/>
-              </a:rPr>
-              <a:t>left-skewed</a:t>
-            </a:r>
-            <a:r>
-              <a:rPr lang="tr-TR" dirty="0">
-                <a:solidFill>
-                  <a:srgbClr val="383A42"/>
-                </a:solidFill>
-                <a:latin typeface="Consolas" panose="020B0609020204030204" pitchFamily="49" charset="0"/>
-              </a:rPr>
-              <a:t> (</a:t>
-            </a:r>
-            <a:r>
-              <a:rPr lang="tr-TR" dirty="0" err="1">
-                <a:solidFill>
-                  <a:srgbClr val="383A42"/>
-                </a:solidFill>
-                <a:latin typeface="Consolas" panose="020B0609020204030204" pitchFamily="49" charset="0"/>
-              </a:rPr>
-              <a:t>negative</a:t>
-            </a:r>
-            <a:r>
-              <a:rPr lang="tr-TR" dirty="0">
-                <a:solidFill>
-                  <a:srgbClr val="383A42"/>
-                </a:solidFill>
-                <a:latin typeface="Consolas" panose="020B0609020204030204" pitchFamily="49" charset="0"/>
-              </a:rPr>
-              <a:t> </a:t>
-            </a:r>
-            <a:r>
-              <a:rPr lang="tr-TR" dirty="0" err="1">
-                <a:solidFill>
-                  <a:srgbClr val="383A42"/>
-                </a:solidFill>
-                <a:latin typeface="Consolas" panose="020B0609020204030204" pitchFamily="49" charset="0"/>
-              </a:rPr>
-              <a:t>skew</a:t>
-            </a:r>
-            <a:r>
-              <a:rPr lang="tr-TR" dirty="0">
-                <a:solidFill>
-                  <a:srgbClr val="383A42"/>
-                </a:solidFill>
-                <a:latin typeface="Consolas" panose="020B0609020204030204" pitchFamily="49" charset="0"/>
-              </a:rPr>
-              <a:t>). </a:t>
-            </a:r>
-            <a:r>
-              <a:rPr lang="tr-TR" dirty="0" err="1">
-                <a:solidFill>
-                  <a:srgbClr val="383A42"/>
-                </a:solidFill>
-                <a:latin typeface="Consolas" panose="020B0609020204030204" pitchFamily="49" charset="0"/>
-              </a:rPr>
-              <a:t>Because</a:t>
-            </a:r>
-            <a:r>
-              <a:rPr lang="tr-TR" dirty="0">
-                <a:solidFill>
-                  <a:srgbClr val="383A42"/>
-                </a:solidFill>
-                <a:latin typeface="Consolas" panose="020B0609020204030204" pitchFamily="49" charset="0"/>
-              </a:rPr>
-              <a:t> </a:t>
-            </a:r>
-            <a:r>
-              <a:rPr lang="tr-TR" dirty="0" err="1">
-                <a:solidFill>
-                  <a:srgbClr val="383A42"/>
-                </a:solidFill>
-                <a:latin typeface="Consolas" panose="020B0609020204030204" pitchFamily="49" charset="0"/>
-              </a:rPr>
-              <a:t>outliers</a:t>
-            </a:r>
-            <a:r>
-              <a:rPr lang="tr-TR" dirty="0">
-                <a:solidFill>
-                  <a:srgbClr val="383A42"/>
-                </a:solidFill>
-                <a:latin typeface="Consolas" panose="020B0609020204030204" pitchFamily="49" charset="0"/>
-              </a:rPr>
-              <a:t> </a:t>
-            </a:r>
-            <a:r>
-              <a:rPr lang="tr-TR" dirty="0" err="1">
-                <a:solidFill>
-                  <a:srgbClr val="383A42"/>
-                </a:solidFill>
-                <a:latin typeface="Consolas" panose="020B0609020204030204" pitchFamily="49" charset="0"/>
-              </a:rPr>
-              <a:t>are</a:t>
-            </a:r>
-            <a:r>
-              <a:rPr lang="tr-TR" dirty="0">
-                <a:solidFill>
-                  <a:srgbClr val="383A42"/>
-                </a:solidFill>
-                <a:latin typeface="Consolas" panose="020B0609020204030204" pitchFamily="49" charset="0"/>
-              </a:rPr>
-              <a:t> </a:t>
-            </a:r>
-            <a:r>
-              <a:rPr lang="tr-TR" dirty="0" err="1">
-                <a:solidFill>
-                  <a:srgbClr val="383A42"/>
-                </a:solidFill>
-                <a:latin typeface="Consolas" panose="020B0609020204030204" pitchFamily="49" charset="0"/>
-              </a:rPr>
-              <a:t>to</a:t>
-            </a:r>
-            <a:r>
-              <a:rPr lang="tr-TR" dirty="0">
-                <a:solidFill>
-                  <a:srgbClr val="383A42"/>
-                </a:solidFill>
-                <a:latin typeface="Consolas" panose="020B0609020204030204" pitchFamily="49" charset="0"/>
-              </a:rPr>
-              <a:t> </a:t>
-            </a:r>
-            <a:r>
-              <a:rPr lang="tr-TR" dirty="0" err="1">
-                <a:solidFill>
-                  <a:srgbClr val="383A42"/>
-                </a:solidFill>
-                <a:latin typeface="Consolas" panose="020B0609020204030204" pitchFamily="49" charset="0"/>
-              </a:rPr>
-              <a:t>the</a:t>
-            </a:r>
-            <a:r>
-              <a:rPr lang="tr-TR" dirty="0">
-                <a:solidFill>
-                  <a:srgbClr val="383A42"/>
-                </a:solidFill>
-                <a:latin typeface="Consolas" panose="020B0609020204030204" pitchFamily="49" charset="0"/>
-              </a:rPr>
-              <a:t> </a:t>
-            </a:r>
-            <a:r>
-              <a:rPr lang="tr-TR" dirty="0" err="1">
-                <a:solidFill>
-                  <a:srgbClr val="383A42"/>
-                </a:solidFill>
-                <a:latin typeface="Consolas" panose="020B0609020204030204" pitchFamily="49" charset="0"/>
-              </a:rPr>
-              <a:t>left</a:t>
-            </a:r>
-            <a:r>
-              <a:rPr lang="tr-TR" dirty="0">
-                <a:solidFill>
-                  <a:srgbClr val="383A42"/>
-                </a:solidFill>
-                <a:latin typeface="Consolas" panose="020B0609020204030204" pitchFamily="49" charset="0"/>
-              </a:rPr>
-              <a:t>.</a:t>
-            </a:r>
-          </a:p>
-          <a:p>
-            <a:pPr marL="0" indent="0">
-              <a:buNone/>
-            </a:pPr>
-            <a:r>
-              <a:rPr lang="tr-TR" b="0" dirty="0">
-                <a:solidFill>
-                  <a:srgbClr val="383A42"/>
-                </a:solidFill>
                 <a:effectLst/>
                 <a:latin typeface="Consolas" panose="020B0609020204030204" pitchFamily="49" charset="0"/>
               </a:rPr>
-              <a:t>«</a:t>
-            </a:r>
-            <a:r>
-              <a:rPr lang="en-US" b="0" dirty="0">
-                <a:solidFill>
-                  <a:srgbClr val="383A42"/>
-                </a:solidFill>
-                <a:effectLst/>
-                <a:latin typeface="Consolas" panose="020B0609020204030204" pitchFamily="49" charset="0"/>
-              </a:rPr>
-              <a:t>Log transformation is a data transformation method in which it replaces each variable x with a log(x).</a:t>
-            </a:r>
-            <a:endParaRPr lang="tr-TR" b="0" dirty="0">
+              <a:t>eatures</a:t>
+            </a:r>
+            <a:endParaRPr lang="tr-TR" b="1" dirty="0">
               <a:solidFill>
                 <a:srgbClr val="383A42"/>
               </a:solidFill>
@@ -7365,101 +8162,569 @@
                 <a:solidFill>
                   <a:srgbClr val="383A42"/>
                 </a:solidFill>
-                <a:latin typeface="Consolas" panose="020B0609020204030204" pitchFamily="49" charset="0"/>
-              </a:rPr>
-              <a:t>T</a:t>
-            </a:r>
-            <a:r>
-              <a:rPr lang="en-US" b="0" dirty="0">
+                <a:effectLst/>
+                <a:latin typeface="Consolas" panose="020B0609020204030204" pitchFamily="49" charset="0"/>
+              </a:rPr>
+              <a:t>«</a:t>
+            </a:r>
+            <a:r>
+              <a:rPr lang="en-US" dirty="0">
                 <a:solidFill>
                   <a:srgbClr val="383A42"/>
                 </a:solidFill>
                 <a:effectLst/>
                 <a:latin typeface="Consolas" panose="020B0609020204030204" pitchFamily="49" charset="0"/>
               </a:rPr>
-              <a:t>he most popular among the different types of transformations used to transform skewed data to approximately conform to normality.</a:t>
-            </a:r>
-            <a:r>
-              <a:rPr lang="tr-TR" b="0" dirty="0">
+              <a:t>Normalization typically means </a:t>
+            </a:r>
+            <a:r>
+              <a:rPr lang="en-US" dirty="0" err="1">
                 <a:solidFill>
                   <a:srgbClr val="383A42"/>
                 </a:solidFill>
                 <a:effectLst/>
                 <a:latin typeface="Consolas" panose="020B0609020204030204" pitchFamily="49" charset="0"/>
               </a:rPr>
+              <a:t>rescal</a:t>
+            </a:r>
+            <a:r>
+              <a:rPr lang="tr-TR" dirty="0" err="1">
+                <a:solidFill>
+                  <a:srgbClr val="383A42"/>
+                </a:solidFill>
+                <a:effectLst/>
+                <a:latin typeface="Consolas" panose="020B0609020204030204" pitchFamily="49" charset="0"/>
+              </a:rPr>
+              <a:t>ing</a:t>
+            </a:r>
+            <a:r>
+              <a:rPr lang="en-US" dirty="0">
+                <a:solidFill>
+                  <a:srgbClr val="383A42"/>
+                </a:solidFill>
+                <a:effectLst/>
+                <a:latin typeface="Consolas" panose="020B0609020204030204" pitchFamily="49" charset="0"/>
+              </a:rPr>
+              <a:t> the values into a range of [0,1]</a:t>
+            </a:r>
+            <a:endParaRPr lang="tr-TR" dirty="0">
+              <a:solidFill>
+                <a:srgbClr val="383A42"/>
+              </a:solidFill>
+              <a:effectLst/>
+              <a:latin typeface="Consolas" panose="020B0609020204030204" pitchFamily="49" charset="0"/>
+            </a:endParaRPr>
+          </a:p>
+          <a:p>
+            <a:pPr marL="0" indent="0">
+              <a:buNone/>
+            </a:pPr>
+            <a:r>
+              <a:rPr lang="tr-TR" dirty="0" err="1">
+                <a:solidFill>
+                  <a:srgbClr val="383A42"/>
+                </a:solidFill>
+                <a:latin typeface="Consolas" panose="020B0609020204030204" pitchFamily="49" charset="0"/>
+              </a:rPr>
+              <a:t>It</a:t>
+            </a:r>
+            <a:r>
+              <a:rPr lang="tr-TR" dirty="0">
+                <a:solidFill>
+                  <a:srgbClr val="383A42"/>
+                </a:solidFill>
+                <a:latin typeface="Consolas" panose="020B0609020204030204" pitchFamily="49" charset="0"/>
+              </a:rPr>
+              <a:t> </a:t>
+            </a:r>
+            <a:r>
+              <a:rPr lang="tr-TR" dirty="0" err="1">
+                <a:solidFill>
+                  <a:srgbClr val="383A42"/>
+                </a:solidFill>
+                <a:latin typeface="Consolas" panose="020B0609020204030204" pitchFamily="49" charset="0"/>
+              </a:rPr>
+              <a:t>aims</a:t>
+            </a:r>
+            <a:r>
+              <a:rPr lang="tr-TR" dirty="0">
+                <a:solidFill>
+                  <a:srgbClr val="383A42"/>
+                </a:solidFill>
+                <a:latin typeface="Consolas" panose="020B0609020204030204" pitchFamily="49" charset="0"/>
+              </a:rPr>
+              <a:t> </a:t>
+            </a:r>
+            <a:r>
+              <a:rPr lang="tr-TR" dirty="0" err="1">
+                <a:solidFill>
+                  <a:srgbClr val="383A42"/>
+                </a:solidFill>
+                <a:latin typeface="Consolas" panose="020B0609020204030204" pitchFamily="49" charset="0"/>
+              </a:rPr>
+              <a:t>to</a:t>
+            </a:r>
+            <a:r>
+              <a:rPr lang="tr-TR" dirty="0">
+                <a:solidFill>
+                  <a:srgbClr val="383A42"/>
+                </a:solidFill>
+                <a:latin typeface="Consolas" panose="020B0609020204030204" pitchFamily="49" charset="0"/>
+              </a:rPr>
+              <a:t> </a:t>
+            </a:r>
+            <a:r>
+              <a:rPr lang="tr-TR" dirty="0" err="1">
+                <a:solidFill>
+                  <a:srgbClr val="383A42"/>
+                </a:solidFill>
+                <a:latin typeface="Consolas" panose="020B0609020204030204" pitchFamily="49" charset="0"/>
+              </a:rPr>
+              <a:t>reduce</a:t>
+            </a:r>
+            <a:r>
+              <a:rPr lang="tr-TR" dirty="0">
+                <a:solidFill>
+                  <a:srgbClr val="383A42"/>
+                </a:solidFill>
+                <a:latin typeface="Consolas" panose="020B0609020204030204" pitchFamily="49" charset="0"/>
+              </a:rPr>
+              <a:t> </a:t>
+            </a:r>
+            <a:r>
+              <a:rPr lang="tr-TR" dirty="0" err="1">
+                <a:solidFill>
+                  <a:srgbClr val="383A42"/>
+                </a:solidFill>
+                <a:latin typeface="Consolas" panose="020B0609020204030204" pitchFamily="49" charset="0"/>
+              </a:rPr>
+              <a:t>the</a:t>
+            </a:r>
+            <a:r>
+              <a:rPr lang="tr-TR" dirty="0">
+                <a:solidFill>
+                  <a:srgbClr val="383A42"/>
+                </a:solidFill>
+                <a:latin typeface="Consolas" panose="020B0609020204030204" pitchFamily="49" charset="0"/>
+              </a:rPr>
+              <a:t> </a:t>
+            </a:r>
+            <a:r>
+              <a:rPr lang="tr-TR" dirty="0" err="1">
+                <a:solidFill>
+                  <a:srgbClr val="383A42"/>
+                </a:solidFill>
+                <a:latin typeface="Consolas" panose="020B0609020204030204" pitchFamily="49" charset="0"/>
+              </a:rPr>
+              <a:t>weight</a:t>
+            </a:r>
+            <a:r>
+              <a:rPr lang="tr-TR" dirty="0">
+                <a:solidFill>
+                  <a:srgbClr val="383A42"/>
+                </a:solidFill>
+                <a:latin typeface="Consolas" panose="020B0609020204030204" pitchFamily="49" charset="0"/>
+              </a:rPr>
+              <a:t> of </a:t>
+            </a:r>
+            <a:r>
+              <a:rPr lang="tr-TR" dirty="0" err="1">
+                <a:solidFill>
+                  <a:srgbClr val="383A42"/>
+                </a:solidFill>
+                <a:latin typeface="Consolas" panose="020B0609020204030204" pitchFamily="49" charset="0"/>
+              </a:rPr>
+              <a:t>higher</a:t>
+            </a:r>
+            <a:r>
+              <a:rPr lang="tr-TR" dirty="0">
+                <a:solidFill>
+                  <a:srgbClr val="383A42"/>
+                </a:solidFill>
+                <a:latin typeface="Consolas" panose="020B0609020204030204" pitchFamily="49" charset="0"/>
+              </a:rPr>
+              <a:t> </a:t>
+            </a:r>
+            <a:r>
+              <a:rPr lang="tr-TR" dirty="0" err="1">
+                <a:solidFill>
+                  <a:srgbClr val="383A42"/>
+                </a:solidFill>
+                <a:latin typeface="Consolas" panose="020B0609020204030204" pitchFamily="49" charset="0"/>
+              </a:rPr>
+              <a:t>numbers</a:t>
+            </a:r>
+            <a:endParaRPr lang="tr-TR" dirty="0">
+              <a:solidFill>
+                <a:srgbClr val="383A42"/>
+              </a:solidFill>
+              <a:latin typeface="Consolas" panose="020B0609020204030204" pitchFamily="49" charset="0"/>
+            </a:endParaRPr>
+          </a:p>
+          <a:p>
+            <a:pPr marL="0" indent="0">
+              <a:buNone/>
+            </a:pPr>
+            <a:r>
+              <a:rPr lang="tr-TR" dirty="0" err="1">
+                <a:solidFill>
+                  <a:srgbClr val="383A42"/>
+                </a:solidFill>
+                <a:effectLst/>
+                <a:latin typeface="Consolas" panose="020B0609020204030204" pitchFamily="49" charset="0"/>
+              </a:rPr>
+              <a:t>If</a:t>
+            </a:r>
+            <a:r>
+              <a:rPr lang="tr-TR" dirty="0">
+                <a:solidFill>
+                  <a:srgbClr val="383A42"/>
+                </a:solidFill>
+                <a:effectLst/>
+                <a:latin typeface="Consolas" panose="020B0609020204030204" pitchFamily="49" charset="0"/>
+              </a:rPr>
+              <a:t> </a:t>
+            </a:r>
+            <a:r>
+              <a:rPr lang="tr-TR" dirty="0" err="1">
+                <a:solidFill>
+                  <a:srgbClr val="383A42"/>
+                </a:solidFill>
+                <a:effectLst/>
+                <a:latin typeface="Consolas" panose="020B0609020204030204" pitchFamily="49" charset="0"/>
+              </a:rPr>
+              <a:t>we</a:t>
+            </a:r>
+            <a:r>
+              <a:rPr lang="tr-TR" dirty="0">
+                <a:solidFill>
+                  <a:srgbClr val="383A42"/>
+                </a:solidFill>
+                <a:effectLst/>
+                <a:latin typeface="Consolas" panose="020B0609020204030204" pitchFamily="49" charset="0"/>
+              </a:rPr>
+              <a:t> </a:t>
+            </a:r>
+            <a:r>
+              <a:rPr lang="tr-TR" dirty="0" err="1">
+                <a:solidFill>
+                  <a:srgbClr val="383A42"/>
+                </a:solidFill>
+                <a:effectLst/>
+                <a:latin typeface="Consolas" panose="020B0609020204030204" pitchFamily="49" charset="0"/>
+              </a:rPr>
+              <a:t>know</a:t>
+            </a:r>
+            <a:r>
+              <a:rPr lang="tr-TR" dirty="0">
+                <a:solidFill>
+                  <a:srgbClr val="383A42"/>
+                </a:solidFill>
+                <a:effectLst/>
+                <a:latin typeface="Consolas" panose="020B0609020204030204" pitchFamily="49" charset="0"/>
+              </a:rPr>
+              <a:t> a </a:t>
+            </a:r>
+            <a:r>
+              <a:rPr lang="tr-TR" dirty="0" err="1">
+                <a:solidFill>
+                  <a:srgbClr val="383A42"/>
+                </a:solidFill>
+                <a:effectLst/>
+                <a:latin typeface="Consolas" panose="020B0609020204030204" pitchFamily="49" charset="0"/>
+              </a:rPr>
+              <a:t>variable</a:t>
+            </a:r>
+            <a:r>
+              <a:rPr lang="tr-TR" dirty="0">
+                <a:solidFill>
+                  <a:srgbClr val="383A42"/>
+                </a:solidFill>
+                <a:effectLst/>
+                <a:latin typeface="Consolas" panose="020B0609020204030204" pitchFamily="49" charset="0"/>
+              </a:rPr>
+              <a:t> is </a:t>
+            </a:r>
+            <a:r>
+              <a:rPr lang="tr-TR" dirty="0" err="1">
+                <a:solidFill>
+                  <a:srgbClr val="383A42"/>
+                </a:solidFill>
+                <a:effectLst/>
+                <a:latin typeface="Consolas" panose="020B0609020204030204" pitchFamily="49" charset="0"/>
+              </a:rPr>
+              <a:t>significantly</a:t>
+            </a:r>
+            <a:r>
+              <a:rPr lang="tr-TR" dirty="0">
+                <a:solidFill>
+                  <a:srgbClr val="383A42"/>
+                </a:solidFill>
+                <a:effectLst/>
+                <a:latin typeface="Consolas" panose="020B0609020204030204" pitchFamily="49" charset="0"/>
+              </a:rPr>
+              <a:t> </a:t>
+            </a:r>
+            <a:r>
+              <a:rPr lang="tr-TR" dirty="0" err="1">
+                <a:solidFill>
+                  <a:srgbClr val="383A42"/>
+                </a:solidFill>
+                <a:effectLst/>
+                <a:latin typeface="Consolas" panose="020B0609020204030204" pitchFamily="49" charset="0"/>
+              </a:rPr>
+              <a:t>more</a:t>
+            </a:r>
+            <a:r>
+              <a:rPr lang="tr-TR" dirty="0">
+                <a:solidFill>
+                  <a:srgbClr val="383A42"/>
+                </a:solidFill>
+                <a:effectLst/>
+                <a:latin typeface="Consolas" panose="020B0609020204030204" pitchFamily="49" charset="0"/>
+              </a:rPr>
+              <a:t> </a:t>
+            </a:r>
+            <a:r>
+              <a:rPr lang="tr-TR" dirty="0" err="1">
+                <a:solidFill>
+                  <a:srgbClr val="383A42"/>
+                </a:solidFill>
+                <a:effectLst/>
+                <a:latin typeface="Consolas" panose="020B0609020204030204" pitchFamily="49" charset="0"/>
+              </a:rPr>
+              <a:t>important</a:t>
+            </a:r>
+            <a:r>
+              <a:rPr lang="tr-TR" dirty="0">
+                <a:solidFill>
+                  <a:srgbClr val="383A42"/>
+                </a:solidFill>
+                <a:effectLst/>
+                <a:latin typeface="Consolas" panose="020B0609020204030204" pitchFamily="49" charset="0"/>
+              </a:rPr>
+              <a:t> </a:t>
+            </a:r>
+            <a:r>
+              <a:rPr lang="tr-TR" dirty="0" err="1">
+                <a:solidFill>
+                  <a:srgbClr val="383A42"/>
+                </a:solidFill>
+                <a:effectLst/>
+                <a:latin typeface="Consolas" panose="020B0609020204030204" pitchFamily="49" charset="0"/>
+              </a:rPr>
+              <a:t>than</a:t>
+            </a:r>
+            <a:r>
+              <a:rPr lang="tr-TR" dirty="0">
+                <a:solidFill>
+                  <a:srgbClr val="383A42"/>
+                </a:solidFill>
+                <a:effectLst/>
+                <a:latin typeface="Consolas" panose="020B0609020204030204" pitchFamily="49" charset="0"/>
+              </a:rPr>
+              <a:t> </a:t>
+            </a:r>
+            <a:r>
+              <a:rPr lang="tr-TR" dirty="0" err="1">
+                <a:solidFill>
+                  <a:srgbClr val="383A42"/>
+                </a:solidFill>
+                <a:effectLst/>
+                <a:latin typeface="Consolas" panose="020B0609020204030204" pitchFamily="49" charset="0"/>
+              </a:rPr>
+              <a:t>the</a:t>
+            </a:r>
+            <a:r>
+              <a:rPr lang="tr-TR" dirty="0">
+                <a:solidFill>
+                  <a:srgbClr val="383A42"/>
+                </a:solidFill>
+                <a:effectLst/>
+                <a:latin typeface="Consolas" panose="020B0609020204030204" pitchFamily="49" charset="0"/>
+              </a:rPr>
+              <a:t> </a:t>
+            </a:r>
+            <a:r>
+              <a:rPr lang="tr-TR" dirty="0" err="1">
+                <a:solidFill>
+                  <a:srgbClr val="383A42"/>
+                </a:solidFill>
+                <a:effectLst/>
+                <a:latin typeface="Consolas" panose="020B0609020204030204" pitchFamily="49" charset="0"/>
+              </a:rPr>
+              <a:t>other</a:t>
+            </a:r>
+            <a:r>
+              <a:rPr lang="tr-TR" dirty="0">
+                <a:solidFill>
+                  <a:srgbClr val="383A42"/>
+                </a:solidFill>
+                <a:effectLst/>
+                <a:latin typeface="Consolas" panose="020B0609020204030204" pitchFamily="49" charset="0"/>
+              </a:rPr>
+              <a:t> </a:t>
+            </a:r>
+            <a:r>
+              <a:rPr lang="tr-TR" dirty="0" err="1">
+                <a:solidFill>
+                  <a:srgbClr val="383A42"/>
+                </a:solidFill>
+                <a:effectLst/>
+                <a:latin typeface="Consolas" panose="020B0609020204030204" pitchFamily="49" charset="0"/>
+              </a:rPr>
+              <a:t>we</a:t>
+            </a:r>
+            <a:r>
+              <a:rPr lang="tr-TR" dirty="0">
+                <a:solidFill>
+                  <a:srgbClr val="383A42"/>
+                </a:solidFill>
+                <a:effectLst/>
+                <a:latin typeface="Consolas" panose="020B0609020204030204" pitchFamily="49" charset="0"/>
+              </a:rPr>
+              <a:t> </a:t>
+            </a:r>
+            <a:r>
+              <a:rPr lang="tr-TR" dirty="0" err="1">
+                <a:solidFill>
+                  <a:srgbClr val="383A42"/>
+                </a:solidFill>
+                <a:effectLst/>
+                <a:latin typeface="Consolas" panose="020B0609020204030204" pitchFamily="49" charset="0"/>
+              </a:rPr>
+              <a:t>should</a:t>
+            </a:r>
+            <a:r>
+              <a:rPr lang="tr-TR" dirty="0" err="1">
+                <a:solidFill>
+                  <a:srgbClr val="383A42"/>
+                </a:solidFill>
+                <a:latin typeface="Consolas" panose="020B0609020204030204" pitchFamily="49" charset="0"/>
+              </a:rPr>
+              <a:t>n’t</a:t>
+            </a:r>
+            <a:r>
+              <a:rPr lang="tr-TR" dirty="0">
+                <a:solidFill>
+                  <a:srgbClr val="383A42"/>
+                </a:solidFill>
+                <a:latin typeface="Consolas" panose="020B0609020204030204" pitchFamily="49" charset="0"/>
+              </a:rPr>
+              <a:t> </a:t>
+            </a:r>
+            <a:r>
+              <a:rPr lang="tr-TR" dirty="0" err="1">
+                <a:solidFill>
+                  <a:srgbClr val="383A42"/>
+                </a:solidFill>
+                <a:latin typeface="Consolas" panose="020B0609020204030204" pitchFamily="49" charset="0"/>
+              </a:rPr>
+              <a:t>use</a:t>
+            </a:r>
+            <a:r>
+              <a:rPr lang="tr-TR" dirty="0">
+                <a:solidFill>
+                  <a:srgbClr val="383A42"/>
+                </a:solidFill>
+                <a:latin typeface="Consolas" panose="020B0609020204030204" pitchFamily="49" charset="0"/>
+              </a:rPr>
+              <a:t> </a:t>
+            </a:r>
+            <a:r>
+              <a:rPr lang="tr-TR" dirty="0" err="1">
+                <a:solidFill>
+                  <a:srgbClr val="383A42"/>
+                </a:solidFill>
+                <a:latin typeface="Consolas" panose="020B0609020204030204" pitchFamily="49" charset="0"/>
+              </a:rPr>
+              <a:t>normalization</a:t>
+            </a:r>
+            <a:r>
+              <a:rPr lang="tr-TR" dirty="0">
+                <a:solidFill>
+                  <a:srgbClr val="383A42"/>
+                </a:solidFill>
+                <a:latin typeface="Consolas" panose="020B0609020204030204" pitchFamily="49" charset="0"/>
+              </a:rPr>
+              <a:t> </a:t>
+            </a:r>
+            <a:r>
+              <a:rPr lang="tr-TR" dirty="0" err="1">
+                <a:solidFill>
+                  <a:srgbClr val="383A42"/>
+                </a:solidFill>
+                <a:latin typeface="Consolas" panose="020B0609020204030204" pitchFamily="49" charset="0"/>
+              </a:rPr>
+              <a:t>or</a:t>
+            </a:r>
+            <a:r>
+              <a:rPr lang="tr-TR" dirty="0">
+                <a:solidFill>
+                  <a:srgbClr val="383A42"/>
+                </a:solidFill>
+                <a:latin typeface="Consolas" panose="020B0609020204030204" pitchFamily="49" charset="0"/>
+              </a:rPr>
+              <a:t> </a:t>
+            </a:r>
+            <a:r>
+              <a:rPr lang="tr-TR" dirty="0" err="1">
+                <a:solidFill>
+                  <a:srgbClr val="383A42"/>
+                </a:solidFill>
+                <a:latin typeface="Consolas" panose="020B0609020204030204" pitchFamily="49" charset="0"/>
+              </a:rPr>
+              <a:t>standardization</a:t>
+            </a:r>
+            <a:r>
+              <a:rPr lang="tr-TR" dirty="0">
+                <a:solidFill>
+                  <a:srgbClr val="383A42"/>
+                </a:solidFill>
+                <a:latin typeface="Consolas" panose="020B0609020204030204" pitchFamily="49" charset="0"/>
+              </a:rPr>
+              <a:t>.</a:t>
+            </a:r>
+            <a:r>
+              <a:rPr lang="tr-TR" dirty="0">
+                <a:solidFill>
+                  <a:srgbClr val="383A42"/>
+                </a:solidFill>
+                <a:effectLst/>
+                <a:latin typeface="Consolas" panose="020B0609020204030204" pitchFamily="49" charset="0"/>
+              </a:rPr>
               <a:t>»</a:t>
             </a:r>
           </a:p>
           <a:p>
-            <a:r>
-              <a:rPr lang="tr-TR" b="0" dirty="0" err="1">
-                <a:solidFill>
-                  <a:srgbClr val="383A42"/>
-                </a:solidFill>
-                <a:effectLst/>
-                <a:latin typeface="Consolas" panose="020B0609020204030204" pitchFamily="49" charset="0"/>
-              </a:rPr>
-              <a:t>Normalizing</a:t>
-            </a:r>
-            <a:r>
-              <a:rPr lang="tr-TR" b="0" dirty="0">
-                <a:solidFill>
-                  <a:srgbClr val="383A42"/>
-                </a:solidFill>
-                <a:effectLst/>
-                <a:latin typeface="Consolas" panose="020B0609020204030204" pitchFamily="49" charset="0"/>
-              </a:rPr>
-              <a:t> </a:t>
-            </a:r>
-            <a:r>
-              <a:rPr lang="tr-TR" dirty="0" err="1">
-                <a:solidFill>
-                  <a:srgbClr val="383A42"/>
-                </a:solidFill>
-                <a:latin typeface="Consolas" panose="020B0609020204030204" pitchFamily="49" charset="0"/>
-              </a:rPr>
-              <a:t>n</a:t>
-            </a:r>
-            <a:r>
-              <a:rPr lang="tr-TR" b="0" dirty="0" err="1">
-                <a:solidFill>
-                  <a:srgbClr val="383A42"/>
-                </a:solidFill>
-                <a:effectLst/>
-                <a:latin typeface="Consolas" panose="020B0609020204030204" pitchFamily="49" charset="0"/>
-              </a:rPr>
-              <a:t>umerical</a:t>
-            </a:r>
-            <a:r>
-              <a:rPr lang="tr-TR" b="0" dirty="0">
-                <a:solidFill>
-                  <a:srgbClr val="383A42"/>
-                </a:solidFill>
-                <a:effectLst/>
-                <a:latin typeface="Consolas" panose="020B0609020204030204" pitchFamily="49" charset="0"/>
-              </a:rPr>
-              <a:t> </a:t>
-            </a:r>
-            <a:r>
-              <a:rPr lang="tr-TR" dirty="0" err="1">
-                <a:solidFill>
-                  <a:srgbClr val="383A42"/>
-                </a:solidFill>
-                <a:latin typeface="Consolas" panose="020B0609020204030204" pitchFamily="49" charset="0"/>
-              </a:rPr>
-              <a:t>f</a:t>
-            </a:r>
-            <a:r>
-              <a:rPr lang="tr-TR" b="0" dirty="0" err="1">
-                <a:solidFill>
-                  <a:srgbClr val="383A42"/>
-                </a:solidFill>
-                <a:effectLst/>
-                <a:latin typeface="Consolas" panose="020B0609020204030204" pitchFamily="49" charset="0"/>
-              </a:rPr>
-              <a:t>eatures</a:t>
-            </a:r>
-            <a:endParaRPr lang="tr-TR" b="0" dirty="0">
+            <a:pPr marL="0" indent="0">
+              <a:buNone/>
+            </a:pPr>
+            <a:endParaRPr lang="tr-TR" dirty="0">
+              <a:solidFill>
+                <a:srgbClr val="383A42"/>
+              </a:solidFill>
+              <a:effectLst/>
+              <a:latin typeface="Consolas" panose="020B0609020204030204" pitchFamily="49" charset="0"/>
+            </a:endParaRPr>
+          </a:p>
+          <a:p>
+            <a:pPr marL="0" indent="0">
+              <a:buNone/>
+            </a:pPr>
+            <a:endParaRPr lang="tr-TR" dirty="0">
+              <a:solidFill>
+                <a:srgbClr val="383A42"/>
+              </a:solidFill>
+              <a:effectLst/>
+              <a:latin typeface="Consolas" panose="020B0609020204030204" pitchFamily="49" charset="0"/>
+            </a:endParaRPr>
+          </a:p>
+          <a:p>
+            <a:pPr marL="0" indent="0">
+              <a:buNone/>
+            </a:pPr>
+            <a:endParaRPr lang="tr-TR" dirty="0">
               <a:solidFill>
                 <a:srgbClr val="383A42"/>
               </a:solidFill>
@@ -7485,7 +8750,7 @@
 </p:sld>
 </file>
 
-<file path=ppt/slides/slide11.xml><?xml version="1.0" encoding="utf-8"?>
+<file path=ppt/slides/slide13.xml><?xml version="1.0" encoding="utf-8"?>
 <p:sld xmlns:a="http://schemas.openxmlformats.org/drawingml/2006/main" xmlns:r="http://schemas.openxmlformats.org/officeDocument/2006/relationships" xmlns:p="http://schemas.openxmlformats.org/presentationml/2006/main">
   <p:cSld>
     <p:bg>
@@ -7510,38 +8775,6 @@
           <a:chExt cx="0" cy="0"/>
         </a:xfrm>
       </p:grpSpPr>
-      <p:sp>
-        <p:nvSpPr>
-          <p:cNvPr id="28" name="Content Placeholder 27">
-            <a:extLst>
-              <a:ext uri="{FF2B5EF4-FFF2-40B4-BE49-F238E27FC236}">
-                <a16:creationId xmlns:a16="http://schemas.microsoft.com/office/drawing/2014/main" id="{827FBD22-5FC2-78C5-FF6E-5DED895044C9}"/>
-              </a:ext>
-            </a:extLst>
-          </p:cNvPr>
-          <p:cNvSpPr>
-            <a:spLocks noGrp="1"/>
-          </p:cNvSpPr>
-          <p:nvPr>
-            <p:ph idx="1"/>
-          </p:nvPr>
-        </p:nvSpPr>
-        <p:spPr>
-          <a:xfrm>
-            <a:off x="671361" y="2160589"/>
-            <a:ext cx="2930517" cy="3880773"/>
-          </a:xfrm>
-        </p:spPr>
-        <p:txBody>
-          <a:bodyPr>
-            <a:normAutofit/>
-          </a:bodyPr>
-          <a:lstStyle/>
-          <a:p>
-            <a:endParaRPr lang="en-US"/>
-          </a:p>
-        </p:txBody>
-      </p:sp>
       <p:pic>
         <p:nvPicPr>
           <p:cNvPr id="7" name="Resim 6">
@@ -7627,7 +8860,404 @@
 </p:sld>
 </file>
 
-<file path=ppt/slides/slide12.xml><?xml version="1.0" encoding="utf-8"?>
+<file path=ppt/slides/slide14.xml><?xml version="1.0" encoding="utf-8"?>
+<p:sld xmlns:a="http://schemas.openxmlformats.org/drawingml/2006/main" xmlns:r="http://schemas.openxmlformats.org/officeDocument/2006/relationships" xmlns:p="http://schemas.openxmlformats.org/presentationml/2006/main">
+  <p:cSld>
+    <p:spTree>
+      <p:nvGrpSpPr>
+        <p:cNvPr id="1" name=""/>
+        <p:cNvGrpSpPr/>
+        <p:nvPr/>
+      </p:nvGrpSpPr>
+      <p:grpSpPr>
+        <a:xfrm>
+          <a:off x="0" y="0"/>
+          <a:ext cx="0" cy="0"/>
+          <a:chOff x="0" y="0"/>
+          <a:chExt cx="0" cy="0"/>
+        </a:xfrm>
+      </p:grpSpPr>
+      <p:sp>
+        <p:nvSpPr>
+          <p:cNvPr id="2" name="Başlık 1">
+            <a:extLst>
+              <a:ext uri="{FF2B5EF4-FFF2-40B4-BE49-F238E27FC236}">
+                <a16:creationId xmlns:a16="http://schemas.microsoft.com/office/drawing/2014/main" id="{C33B7D11-EEDC-B4D0-A52E-F13FA8F838C3}"/>
+              </a:ext>
+            </a:extLst>
+          </p:cNvPr>
+          <p:cNvSpPr>
+            <a:spLocks noGrp="1"/>
+          </p:cNvSpPr>
+          <p:nvPr>
+            <p:ph type="title"/>
+          </p:nvPr>
+        </p:nvSpPr>
+        <p:spPr/>
+        <p:txBody>
+          <a:bodyPr/>
+          <a:lstStyle/>
+          <a:p>
+            <a:endParaRPr lang="tr-TR"/>
+          </a:p>
+        </p:txBody>
+      </p:sp>
+      <p:sp>
+        <p:nvSpPr>
+          <p:cNvPr id="3" name="İçerik Yer Tutucusu 2">
+            <a:extLst>
+              <a:ext uri="{FF2B5EF4-FFF2-40B4-BE49-F238E27FC236}">
+                <a16:creationId xmlns:a16="http://schemas.microsoft.com/office/drawing/2014/main" id="{3A3CC1DD-0014-7362-BFA8-3B762C37D615}"/>
+              </a:ext>
+            </a:extLst>
+          </p:cNvPr>
+          <p:cNvSpPr>
+            <a:spLocks noGrp="1"/>
+          </p:cNvSpPr>
+          <p:nvPr>
+            <p:ph idx="1"/>
+          </p:nvPr>
+        </p:nvSpPr>
+        <p:spPr>
+          <a:xfrm>
+            <a:off x="677334" y="1930401"/>
+            <a:ext cx="3519762" cy="3866895"/>
+          </a:xfrm>
+        </p:spPr>
+        <p:txBody>
+          <a:bodyPr>
+            <a:noAutofit/>
+          </a:bodyPr>
+          <a:lstStyle/>
+          <a:p>
+            <a:r>
+              <a:rPr lang="tr-TR" sz="1600" dirty="0"/>
+              <a:t>(' Federal-gov', '&lt;=50K') 857</a:t>
+            </a:r>
+          </a:p>
+          <a:p>
+            <a:r>
+              <a:rPr lang="tr-TR" sz="1600" dirty="0"/>
+              <a:t>-----------------------</a:t>
+            </a:r>
+          </a:p>
+          <a:p>
+            <a:r>
+              <a:rPr lang="tr-TR" sz="1600" dirty="0"/>
+              <a:t>(' Federal-gov', '&gt;50K') 549</a:t>
+            </a:r>
+          </a:p>
+          <a:p>
+            <a:r>
+              <a:rPr lang="tr-TR" sz="1600" dirty="0"/>
+              <a:t>-----------------------</a:t>
+            </a:r>
+          </a:p>
+          <a:p>
+            <a:r>
+              <a:rPr lang="tr-TR" sz="1600" dirty="0"/>
+              <a:t>(' </a:t>
+            </a:r>
+            <a:r>
+              <a:rPr lang="tr-TR" sz="1600" dirty="0" err="1"/>
+              <a:t>Local</a:t>
+            </a:r>
+            <a:r>
+              <a:rPr lang="tr-TR" sz="1600" dirty="0"/>
+              <a:t>-gov', '&lt;=50K') 2185</a:t>
+            </a:r>
+          </a:p>
+          <a:p>
+            <a:r>
+              <a:rPr lang="tr-TR" sz="1600" dirty="0"/>
+              <a:t>-----------------------</a:t>
+            </a:r>
+          </a:p>
+          <a:p>
+            <a:r>
+              <a:rPr lang="tr-TR" sz="1600" dirty="0"/>
+              <a:t>(' </a:t>
+            </a:r>
+            <a:r>
+              <a:rPr lang="tr-TR" sz="1600" dirty="0" err="1"/>
+              <a:t>Local</a:t>
+            </a:r>
+            <a:r>
+              <a:rPr lang="tr-TR" sz="1600" dirty="0"/>
+              <a:t>-gov', '&gt;50K') 915</a:t>
+            </a:r>
+          </a:p>
+          <a:p>
+            <a:r>
+              <a:rPr lang="tr-TR" sz="1600" dirty="0"/>
+              <a:t>-----------------------</a:t>
+            </a:r>
+          </a:p>
+          <a:p>
+            <a:r>
+              <a:rPr lang="tr-TR" sz="1600" dirty="0"/>
+              <a:t>(' </a:t>
+            </a:r>
+            <a:r>
+              <a:rPr lang="tr-TR" sz="1600" dirty="0" err="1"/>
+              <a:t>Private</a:t>
+            </a:r>
+            <a:r>
+              <a:rPr lang="tr-TR" sz="1600" dirty="0"/>
+              <a:t>', '&lt;=50K') 26056</a:t>
+            </a:r>
+          </a:p>
+          <a:p>
+            <a:r>
+              <a:rPr lang="tr-TR" sz="1600" dirty="0"/>
+              <a:t>-----------------------</a:t>
+            </a:r>
+          </a:p>
+          <a:p>
+            <a:r>
+              <a:rPr lang="tr-TR" sz="1600" dirty="0"/>
+              <a:t>(' </a:t>
+            </a:r>
+            <a:r>
+              <a:rPr lang="tr-TR" sz="1600" dirty="0" err="1"/>
+              <a:t>Private</a:t>
+            </a:r>
+            <a:r>
+              <a:rPr lang="tr-TR" sz="1600" dirty="0"/>
+              <a:t>', '&gt;50K') 7251</a:t>
+            </a:r>
+          </a:p>
+        </p:txBody>
+      </p:sp>
+      <p:sp>
+        <p:nvSpPr>
+          <p:cNvPr id="6" name="Metin kutusu 5">
+            <a:extLst>
+              <a:ext uri="{FF2B5EF4-FFF2-40B4-BE49-F238E27FC236}">
+                <a16:creationId xmlns:a16="http://schemas.microsoft.com/office/drawing/2014/main" id="{72C49536-29FE-25EF-A5D6-4321AE7C7EFC}"/>
+              </a:ext>
+            </a:extLst>
+          </p:cNvPr>
+          <p:cNvSpPr txBox="1"/>
+          <p:nvPr/>
+        </p:nvSpPr>
+        <p:spPr>
+          <a:xfrm>
+            <a:off x="5340096" y="1930400"/>
+            <a:ext cx="3689604" cy="3785652"/>
+          </a:xfrm>
+          <a:prstGeom prst="rect">
+            <a:avLst/>
+          </a:prstGeom>
+          <a:noFill/>
+        </p:spPr>
+        <p:txBody>
+          <a:bodyPr wrap="square">
+            <a:spAutoFit/>
+          </a:bodyPr>
+          <a:lstStyle/>
+          <a:p>
+            <a:r>
+              <a:rPr lang="tr-TR" sz="1600" dirty="0"/>
+              <a:t>(' Self-</a:t>
+            </a:r>
+            <a:r>
+              <a:rPr lang="tr-TR" sz="1600" dirty="0" err="1"/>
+              <a:t>emp</a:t>
+            </a:r>
+            <a:r>
+              <a:rPr lang="tr-TR" sz="1600" dirty="0"/>
+              <a:t>-</a:t>
+            </a:r>
+            <a:r>
+              <a:rPr lang="tr-TR" sz="1600" dirty="0" err="1"/>
+              <a:t>inc</a:t>
+            </a:r>
+            <a:r>
+              <a:rPr lang="tr-TR" sz="1600" dirty="0"/>
+              <a:t>', '&lt;=50K') 734</a:t>
+            </a:r>
+          </a:p>
+          <a:p>
+            <a:r>
+              <a:rPr lang="tr-TR" sz="1600" dirty="0"/>
+              <a:t>-----------------------</a:t>
+            </a:r>
+          </a:p>
+          <a:p>
+            <a:r>
+              <a:rPr lang="tr-TR" sz="1600" dirty="0"/>
+              <a:t>(' Self-</a:t>
+            </a:r>
+            <a:r>
+              <a:rPr lang="tr-TR" sz="1600" dirty="0" err="1"/>
+              <a:t>emp</a:t>
+            </a:r>
+            <a:r>
+              <a:rPr lang="tr-TR" sz="1600" dirty="0"/>
+              <a:t>-</a:t>
+            </a:r>
+            <a:r>
+              <a:rPr lang="tr-TR" sz="1600" dirty="0" err="1"/>
+              <a:t>inc</a:t>
+            </a:r>
+            <a:r>
+              <a:rPr lang="tr-TR" sz="1600" dirty="0"/>
+              <a:t>', '&gt;50K') 912</a:t>
+            </a:r>
+          </a:p>
+          <a:p>
+            <a:r>
+              <a:rPr lang="tr-TR" sz="1600" dirty="0"/>
+              <a:t>-----------------------</a:t>
+            </a:r>
+          </a:p>
+          <a:p>
+            <a:r>
+              <a:rPr lang="tr-TR" sz="1600" dirty="0"/>
+              <a:t>(' Self-</a:t>
+            </a:r>
+            <a:r>
+              <a:rPr lang="tr-TR" sz="1600" dirty="0" err="1"/>
+              <a:t>emp</a:t>
+            </a:r>
+            <a:r>
+              <a:rPr lang="tr-TR" sz="1600" dirty="0"/>
+              <a:t>-not-</a:t>
+            </a:r>
+            <a:r>
+              <a:rPr lang="tr-TR" sz="1600" dirty="0" err="1"/>
+              <a:t>inc</a:t>
+            </a:r>
+            <a:r>
+              <a:rPr lang="tr-TR" sz="1600" dirty="0"/>
+              <a:t>', '&lt;=50K') 2737</a:t>
+            </a:r>
+          </a:p>
+          <a:p>
+            <a:r>
+              <a:rPr lang="tr-TR" sz="1600" dirty="0"/>
+              <a:t>-----------------------</a:t>
+            </a:r>
+          </a:p>
+          <a:p>
+            <a:r>
+              <a:rPr lang="tr-TR" sz="1600" dirty="0"/>
+              <a:t>(' Self-</a:t>
+            </a:r>
+            <a:r>
+              <a:rPr lang="tr-TR" sz="1600" dirty="0" err="1"/>
+              <a:t>emp</a:t>
+            </a:r>
+            <a:r>
+              <a:rPr lang="tr-TR" sz="1600" dirty="0"/>
+              <a:t>-not-</a:t>
+            </a:r>
+            <a:r>
+              <a:rPr lang="tr-TR" sz="1600" dirty="0" err="1"/>
+              <a:t>inc</a:t>
+            </a:r>
+            <a:r>
+              <a:rPr lang="tr-TR" sz="1600" dirty="0"/>
+              <a:t>', '&gt;50K') 1059</a:t>
+            </a:r>
+          </a:p>
+          <a:p>
+            <a:r>
+              <a:rPr lang="tr-TR" sz="1600" dirty="0"/>
+              <a:t>-----------------------</a:t>
+            </a:r>
+          </a:p>
+          <a:p>
+            <a:r>
+              <a:rPr lang="tr-TR" sz="1600" dirty="0"/>
+              <a:t>(' </a:t>
+            </a:r>
+            <a:r>
+              <a:rPr lang="tr-TR" sz="1600" dirty="0" err="1"/>
+              <a:t>State</a:t>
+            </a:r>
+            <a:r>
+              <a:rPr lang="tr-TR" sz="1600" dirty="0"/>
+              <a:t>-gov', '&lt;=50K') 1426</a:t>
+            </a:r>
+          </a:p>
+          <a:p>
+            <a:r>
+              <a:rPr lang="tr-TR" sz="1600" dirty="0"/>
+              <a:t>-----------------------</a:t>
+            </a:r>
+          </a:p>
+          <a:p>
+            <a:r>
+              <a:rPr lang="tr-TR" sz="1600" dirty="0"/>
+              <a:t>(' </a:t>
+            </a:r>
+            <a:r>
+              <a:rPr lang="tr-TR" sz="1600" dirty="0" err="1"/>
+              <a:t>State</a:t>
+            </a:r>
+            <a:r>
+              <a:rPr lang="tr-TR" sz="1600" dirty="0"/>
+              <a:t>-gov', '&gt;50K') 520</a:t>
+            </a:r>
+          </a:p>
+          <a:p>
+            <a:r>
+              <a:rPr lang="tr-TR" sz="1600" dirty="0"/>
+              <a:t>-----------------------</a:t>
+            </a:r>
+          </a:p>
+          <a:p>
+            <a:r>
+              <a:rPr lang="tr-TR" sz="1600" dirty="0"/>
+              <a:t>(' </a:t>
+            </a:r>
+            <a:r>
+              <a:rPr lang="tr-TR" sz="1600" dirty="0" err="1"/>
+              <a:t>Without</a:t>
+            </a:r>
+            <a:r>
+              <a:rPr lang="tr-TR" sz="1600" dirty="0"/>
+              <a:t>-pay', '&lt;=50K') 19</a:t>
+            </a:r>
+          </a:p>
+          <a:p>
+            <a:r>
+              <a:rPr lang="tr-TR" sz="1600" dirty="0"/>
+              <a:t>-----------------------</a:t>
+            </a:r>
+          </a:p>
+          <a:p>
+            <a:r>
+              <a:rPr lang="tr-TR" sz="1600" dirty="0"/>
+              <a:t>(' </a:t>
+            </a:r>
+            <a:r>
+              <a:rPr lang="tr-TR" sz="1600" dirty="0" err="1"/>
+              <a:t>Without</a:t>
+            </a:r>
+            <a:r>
+              <a:rPr lang="tr-TR" sz="1600" dirty="0"/>
+              <a:t>-pay', '&gt;50K') 2</a:t>
+            </a:r>
+          </a:p>
+        </p:txBody>
+      </p:sp>
+    </p:spTree>
+    <p:extLst>
+      <p:ext uri="{BB962C8B-B14F-4D97-AF65-F5344CB8AC3E}">
+        <p14:creationId xmlns:p14="http://schemas.microsoft.com/office/powerpoint/2010/main" val="3415690846"/>
+      </p:ext>
+    </p:extLst>
+  </p:cSld>
+  <p:clrMapOvr>
+    <a:masterClrMapping/>
+  </p:clrMapOvr>
+</p:sld>
+</file>
+
+<file path=ppt/slides/slide15.xml><?xml version="1.0" encoding="utf-8"?>
 <p:sld xmlns:a="http://schemas.openxmlformats.org/drawingml/2006/main" xmlns:r="http://schemas.openxmlformats.org/officeDocument/2006/relationships" xmlns:p="http://schemas.openxmlformats.org/presentationml/2006/main">
   <p:cSld>
     <p:spTree>
@@ -7719,7 +9349,296 @@
           <a:bodyPr/>
           <a:lstStyle/>
           <a:p>
-            <a:endParaRPr lang="tr-TR"/>
+            <a:r>
+              <a:rPr lang="tr-TR" b="1" dirty="0" err="1"/>
+              <a:t>one</a:t>
+            </a:r>
+            <a:r>
+              <a:rPr lang="tr-TR" b="1" dirty="0"/>
+              <a:t>-hot-</a:t>
+            </a:r>
+            <a:r>
+              <a:rPr lang="tr-TR" b="1" dirty="0" err="1"/>
+              <a:t>encoding</a:t>
+            </a:r>
+            <a:r>
+              <a:rPr lang="tr-TR" b="1" dirty="0"/>
+              <a:t>:</a:t>
+            </a:r>
+            <a:r>
+              <a:rPr lang="tr-TR" dirty="0"/>
+              <a:t> </a:t>
+            </a:r>
+            <a:r>
+              <a:rPr lang="tr-TR" dirty="0" err="1"/>
+              <a:t>It</a:t>
+            </a:r>
+            <a:r>
+              <a:rPr lang="tr-TR" dirty="0"/>
+              <a:t> </a:t>
+            </a:r>
+            <a:r>
+              <a:rPr lang="tr-TR" dirty="0" err="1"/>
+              <a:t>converts</a:t>
+            </a:r>
+            <a:r>
+              <a:rPr lang="tr-TR" dirty="0"/>
+              <a:t> </a:t>
+            </a:r>
+            <a:r>
+              <a:rPr lang="tr-TR" dirty="0" err="1"/>
+              <a:t>categorical</a:t>
+            </a:r>
+            <a:r>
+              <a:rPr lang="tr-TR" dirty="0"/>
+              <a:t> </a:t>
+            </a:r>
+            <a:r>
+              <a:rPr lang="tr-TR" dirty="0" err="1"/>
+              <a:t>variables</a:t>
+            </a:r>
+            <a:r>
+              <a:rPr lang="tr-TR" dirty="0"/>
+              <a:t> </a:t>
+            </a:r>
+            <a:r>
+              <a:rPr lang="tr-TR" dirty="0" err="1"/>
+              <a:t>into</a:t>
+            </a:r>
+            <a:r>
+              <a:rPr lang="tr-TR" dirty="0"/>
+              <a:t> </a:t>
+            </a:r>
+            <a:r>
+              <a:rPr lang="tr-TR" dirty="0" err="1"/>
+              <a:t>numerical</a:t>
+            </a:r>
+            <a:r>
+              <a:rPr lang="tr-TR" dirty="0"/>
+              <a:t> </a:t>
+            </a:r>
+            <a:r>
+              <a:rPr lang="tr-TR" dirty="0" err="1"/>
+              <a:t>ones</a:t>
+            </a:r>
+            <a:r>
+              <a:rPr lang="tr-TR" dirty="0"/>
+              <a:t> </a:t>
+            </a:r>
+            <a:r>
+              <a:rPr lang="tr-TR" dirty="0" err="1"/>
+              <a:t>by</a:t>
+            </a:r>
+            <a:r>
+              <a:rPr lang="tr-TR" dirty="0"/>
+              <a:t> </a:t>
+            </a:r>
+            <a:r>
+              <a:rPr lang="tr-TR" dirty="0" err="1"/>
+              <a:t>creating</a:t>
+            </a:r>
+            <a:r>
+              <a:rPr lang="tr-TR" dirty="0"/>
+              <a:t> a «</a:t>
+            </a:r>
+            <a:r>
+              <a:rPr lang="tr-TR" dirty="0" err="1"/>
+              <a:t>dummy</a:t>
+            </a:r>
+            <a:r>
+              <a:rPr lang="tr-TR" dirty="0"/>
+              <a:t>» </a:t>
+            </a:r>
+            <a:r>
+              <a:rPr lang="tr-TR" dirty="0" err="1"/>
+              <a:t>variable</a:t>
+            </a:r>
+            <a:r>
+              <a:rPr lang="tr-TR" dirty="0"/>
+              <a:t> </a:t>
+            </a:r>
+            <a:r>
+              <a:rPr lang="tr-TR" dirty="0" err="1"/>
+              <a:t>for</a:t>
+            </a:r>
+            <a:r>
+              <a:rPr lang="tr-TR" dirty="0"/>
+              <a:t> </a:t>
+            </a:r>
+            <a:r>
+              <a:rPr lang="tr-TR" dirty="0" err="1"/>
+              <a:t>each</a:t>
+            </a:r>
+            <a:r>
+              <a:rPr lang="tr-TR" dirty="0"/>
+              <a:t> </a:t>
+            </a:r>
+            <a:r>
+              <a:rPr lang="tr-TR" dirty="0" err="1"/>
+              <a:t>possible</a:t>
+            </a:r>
+            <a:r>
+              <a:rPr lang="tr-TR" dirty="0"/>
+              <a:t> </a:t>
+            </a:r>
+            <a:r>
+              <a:rPr lang="tr-TR" dirty="0" err="1"/>
+              <a:t>category</a:t>
+            </a:r>
+            <a:r>
+              <a:rPr lang="tr-TR" dirty="0"/>
+              <a:t> of </a:t>
+            </a:r>
+            <a:r>
+              <a:rPr lang="tr-TR" dirty="0" err="1"/>
+              <a:t>its</a:t>
+            </a:r>
+            <a:r>
+              <a:rPr lang="tr-TR" dirty="0"/>
+              <a:t> </a:t>
+            </a:r>
+            <a:r>
+              <a:rPr lang="tr-TR" dirty="0" err="1"/>
+              <a:t>non-numeric</a:t>
+            </a:r>
+            <a:r>
+              <a:rPr lang="tr-TR" dirty="0"/>
+              <a:t> </a:t>
+            </a:r>
+            <a:r>
+              <a:rPr lang="tr-TR" dirty="0" err="1"/>
+              <a:t>features</a:t>
+            </a:r>
+            <a:r>
+              <a:rPr lang="tr-TR" dirty="0"/>
+              <a:t>.</a:t>
+            </a:r>
+          </a:p>
+          <a:p>
+            <a:r>
+              <a:rPr lang="tr-TR" b="1" dirty="0" err="1"/>
+              <a:t>encoding</a:t>
+            </a:r>
+            <a:r>
+              <a:rPr lang="tr-TR" b="1" dirty="0"/>
+              <a:t>: </a:t>
+            </a:r>
+            <a:r>
+              <a:rPr lang="en-US" dirty="0"/>
+              <a:t>Encode the '</a:t>
+            </a:r>
+            <a:r>
+              <a:rPr lang="en-US" dirty="0" err="1"/>
+              <a:t>income_raw</a:t>
+            </a:r>
+            <a:r>
+              <a:rPr lang="en-US" dirty="0"/>
+              <a:t>' data to numerical values</a:t>
+            </a:r>
+            <a:r>
+              <a:rPr lang="tr-TR" dirty="0"/>
+              <a:t>. </a:t>
+            </a:r>
+            <a:r>
+              <a:rPr lang="tr-TR" dirty="0" err="1"/>
+              <a:t>If</a:t>
+            </a:r>
+            <a:r>
+              <a:rPr lang="tr-TR" dirty="0"/>
+              <a:t> </a:t>
+            </a:r>
+            <a:r>
+              <a:rPr lang="tr-TR" dirty="0" err="1"/>
+              <a:t>income</a:t>
+            </a:r>
+            <a:r>
+              <a:rPr lang="tr-TR" dirty="0"/>
+              <a:t> is </a:t>
+            </a:r>
+            <a:r>
+              <a:rPr lang="tr-TR" dirty="0" err="1"/>
+              <a:t>greater</a:t>
+            </a:r>
+            <a:r>
+              <a:rPr lang="tr-TR" dirty="0"/>
+              <a:t> </a:t>
+            </a:r>
+            <a:r>
+              <a:rPr lang="tr-TR" dirty="0" err="1"/>
+              <a:t>than</a:t>
+            </a:r>
+            <a:r>
+              <a:rPr lang="tr-TR" dirty="0"/>
+              <a:t> $50.000 it is </a:t>
+            </a:r>
+            <a:r>
+              <a:rPr lang="tr-TR" dirty="0" err="1"/>
+              <a:t>equal</a:t>
+            </a:r>
+            <a:r>
+              <a:rPr lang="tr-TR" dirty="0"/>
+              <a:t> </a:t>
+            </a:r>
+            <a:r>
+              <a:rPr lang="tr-TR" dirty="0" err="1"/>
+              <a:t>to</a:t>
+            </a:r>
+            <a:r>
+              <a:rPr lang="tr-TR" dirty="0"/>
+              <a:t> 1, </a:t>
+            </a:r>
+            <a:r>
+              <a:rPr lang="tr-TR" dirty="0" err="1"/>
+              <a:t>otherwise</a:t>
+            </a:r>
+            <a:r>
+              <a:rPr lang="tr-TR" dirty="0"/>
+              <a:t> it is </a:t>
+            </a:r>
+            <a:r>
+              <a:rPr lang="tr-TR" dirty="0" err="1"/>
+              <a:t>equal</a:t>
+            </a:r>
+            <a:r>
+              <a:rPr lang="tr-TR" dirty="0"/>
+              <a:t> </a:t>
+            </a:r>
+            <a:r>
+              <a:rPr lang="tr-TR" dirty="0" err="1"/>
+              <a:t>to</a:t>
+            </a:r>
+            <a:r>
+              <a:rPr lang="tr-TR" dirty="0"/>
+              <a:t> 0.</a:t>
+            </a:r>
+          </a:p>
+          <a:p>
+            <a:endParaRPr lang="tr-TR" dirty="0"/>
+          </a:p>
+          <a:p>
+            <a:endParaRPr lang="tr-TR" dirty="0"/>
+          </a:p>
+          <a:p>
+            <a:pPr marL="0" indent="0" algn="ctr">
+              <a:buNone/>
+            </a:pPr>
+            <a:r>
+              <a:rPr lang="tr-TR" dirty="0"/>
+              <a:t> </a:t>
+            </a:r>
+            <a:r>
+              <a:rPr lang="en-US" dirty="0">
+                <a:solidFill>
+                  <a:srgbClr val="FF0000"/>
+                </a:solidFill>
+              </a:rPr>
+              <a:t>103 total features after one-hot encoding.</a:t>
+            </a:r>
+            <a:endParaRPr lang="tr-TR" dirty="0">
+              <a:solidFill>
+                <a:srgbClr val="FF0000"/>
+              </a:solidFill>
+            </a:endParaRPr>
           </a:p>
         </p:txBody>
       </p:sp>
@@ -7736,7 +9655,7 @@
 </p:sld>
 </file>
 
-<file path=ppt/slides/slide13.xml><?xml version="1.0" encoding="utf-8"?>
+<file path=ppt/slides/slide16.xml><?xml version="1.0" encoding="utf-8"?>
 <p:sld xmlns:a="http://schemas.openxmlformats.org/drawingml/2006/main" xmlns:r="http://schemas.openxmlformats.org/officeDocument/2006/relationships" xmlns:p="http://schemas.openxmlformats.org/presentationml/2006/main">
   <p:cSld>
     <p:spTree>
@@ -7889,7 +9808,14 @@
           <a:bodyPr/>
           <a:lstStyle/>
           <a:p>
-            <a:endParaRPr lang="tr-TR"/>
+            <a:r>
+              <a:rPr lang="en-US" b="0" i="0" dirty="0">
+                <a:effectLst/>
+                <a:latin typeface="-apple-system"/>
+              </a:rPr>
+              <a:t>80% of the data will be used for training and 20% for testing.</a:t>
+            </a:r>
+            <a:endParaRPr lang="tr-TR" dirty="0"/>
           </a:p>
         </p:txBody>
       </p:sp>
@@ -7906,7 +9832,7 @@
 </p:sld>
 </file>
 
-<file path=ppt/slides/slide14.xml><?xml version="1.0" encoding="utf-8"?>
+<file path=ppt/slides/slide17.xml><?xml version="1.0" encoding="utf-8"?>
 <p:sld xmlns:a="http://schemas.openxmlformats.org/drawingml/2006/main" xmlns:r="http://schemas.openxmlformats.org/officeDocument/2006/relationships" xmlns:p="http://schemas.openxmlformats.org/presentationml/2006/main">
   <p:cSld>
     <p:spTree>
@@ -8246,7 +10172,7 @@
 </p:sld>
 </file>
 
-<file path=ppt/slides/slide15.xml><?xml version="1.0" encoding="utf-8"?>
+<file path=ppt/slides/slide18.xml><?xml version="1.0" encoding="utf-8"?>
 <p:sld xmlns:a="http://schemas.openxmlformats.org/drawingml/2006/main" xmlns:r="http://schemas.openxmlformats.org/officeDocument/2006/relationships" xmlns:p="http://schemas.openxmlformats.org/presentationml/2006/main">
   <p:cSld>
     <p:bg>
@@ -9797,7 +11723,7 @@
 </p:sld>
 </file>
 
-<file path=ppt/slides/slide16.xml><?xml version="1.0" encoding="utf-8"?>
+<file path=ppt/slides/slide19.xml><?xml version="1.0" encoding="utf-8"?>
 <p:sld xmlns:a="http://schemas.openxmlformats.org/drawingml/2006/main" xmlns:r="http://schemas.openxmlformats.org/officeDocument/2006/relationships" xmlns:p="http://schemas.openxmlformats.org/presentationml/2006/main">
   <p:cSld>
     <p:bg>
@@ -10594,353 +12520,6 @@
 </p:sld>
 </file>
 
-<file path=ppt/slides/slide17.xml><?xml version="1.0" encoding="utf-8"?>
-<p:sld xmlns:a="http://schemas.openxmlformats.org/drawingml/2006/main" xmlns:r="http://schemas.openxmlformats.org/officeDocument/2006/relationships" xmlns:p="http://schemas.openxmlformats.org/presentationml/2006/main">
-  <p:cSld>
-    <p:spTree>
-      <p:nvGrpSpPr>
-        <p:cNvPr id="1" name=""/>
-        <p:cNvGrpSpPr/>
-        <p:nvPr/>
-      </p:nvGrpSpPr>
-      <p:grpSpPr>
-        <a:xfrm>
-          <a:off x="0" y="0"/>
-          <a:ext cx="0" cy="0"/>
-          <a:chOff x="0" y="0"/>
-          <a:chExt cx="0" cy="0"/>
-        </a:xfrm>
-      </p:grpSpPr>
-      <p:sp>
-        <p:nvSpPr>
-          <p:cNvPr id="2" name="Başlık 1">
-            <a:extLst>
-              <a:ext uri="{FF2B5EF4-FFF2-40B4-BE49-F238E27FC236}">
-                <a16:creationId xmlns:a16="http://schemas.microsoft.com/office/drawing/2014/main" id="{8B77D0EE-E1F8-57F6-3B87-F3128E114582}"/>
-              </a:ext>
-            </a:extLst>
-          </p:cNvPr>
-          <p:cNvSpPr>
-            <a:spLocks noGrp="1"/>
-          </p:cNvSpPr>
-          <p:nvPr>
-            <p:ph type="title"/>
-          </p:nvPr>
-        </p:nvSpPr>
-        <p:spPr/>
-        <p:txBody>
-          <a:bodyPr/>
-          <a:lstStyle/>
-          <a:p>
-            <a:r>
-              <a:rPr lang="tr-TR" b="1" dirty="0"/>
-              <a:t>7-) Model </a:t>
-            </a:r>
-            <a:r>
-              <a:rPr lang="tr-TR" b="1" dirty="0" err="1"/>
-              <a:t>Tuning</a:t>
-            </a:r>
-            <a:endParaRPr lang="tr-TR" b="1" dirty="0"/>
-          </a:p>
-        </p:txBody>
-      </p:sp>
-      <p:sp>
-        <p:nvSpPr>
-          <p:cNvPr id="3" name="İçerik Yer Tutucusu 2">
-            <a:extLst>
-              <a:ext uri="{FF2B5EF4-FFF2-40B4-BE49-F238E27FC236}">
-                <a16:creationId xmlns:a16="http://schemas.microsoft.com/office/drawing/2014/main" id="{71DC8F23-E908-AE8D-6828-4EA2DA45EA11}"/>
-              </a:ext>
-            </a:extLst>
-          </p:cNvPr>
-          <p:cNvSpPr>
-            <a:spLocks noGrp="1"/>
-          </p:cNvSpPr>
-          <p:nvPr>
-            <p:ph idx="1"/>
-          </p:nvPr>
-        </p:nvSpPr>
-        <p:spPr/>
-        <p:txBody>
-          <a:bodyPr/>
-          <a:lstStyle/>
-          <a:p>
-            <a:r>
-              <a:rPr lang="tr-TR" b="1" i="0" dirty="0">
-                <a:effectLst/>
-                <a:latin typeface="-apple-system"/>
-              </a:rPr>
-              <a:t>Final Model Evaluation</a:t>
-            </a:r>
-          </a:p>
-          <a:p>
-            <a:endParaRPr lang="tr-TR" dirty="0"/>
-          </a:p>
-        </p:txBody>
-      </p:sp>
-    </p:spTree>
-    <p:extLst>
-      <p:ext uri="{BB962C8B-B14F-4D97-AF65-F5344CB8AC3E}">
-        <p14:creationId xmlns:p14="http://schemas.microsoft.com/office/powerpoint/2010/main" val="779016138"/>
-      </p:ext>
-    </p:extLst>
-  </p:cSld>
-  <p:clrMapOvr>
-    <a:masterClrMapping/>
-  </p:clrMapOvr>
-</p:sld>
-</file>
-
-<file path=ppt/slides/slide18.xml><?xml version="1.0" encoding="utf-8"?>
-<p:sld xmlns:a="http://schemas.openxmlformats.org/drawingml/2006/main" xmlns:r="http://schemas.openxmlformats.org/officeDocument/2006/relationships" xmlns:p="http://schemas.openxmlformats.org/presentationml/2006/main">
-  <p:cSld>
-    <p:bg>
-      <p:bgPr>
-        <a:solidFill>
-          <a:schemeClr val="bg1"/>
-        </a:solidFill>
-        <a:effectLst/>
-      </p:bgPr>
-    </p:bg>
-    <p:spTree>
-      <p:nvGrpSpPr>
-        <p:cNvPr id="1" name=""/>
-        <p:cNvGrpSpPr/>
-        <p:nvPr/>
-      </p:nvGrpSpPr>
-      <p:grpSpPr>
-        <a:xfrm>
-          <a:off x="0" y="0"/>
-          <a:ext cx="0" cy="0"/>
-          <a:chOff x="0" y="0"/>
-          <a:chExt cx="0" cy="0"/>
-        </a:xfrm>
-      </p:grpSpPr>
-      <p:sp>
-        <p:nvSpPr>
-          <p:cNvPr id="2" name="Başlık 1">
-            <a:extLst>
-              <a:ext uri="{FF2B5EF4-FFF2-40B4-BE49-F238E27FC236}">
-                <a16:creationId xmlns:a16="http://schemas.microsoft.com/office/drawing/2014/main" id="{30252279-15DD-0305-B828-8B5066BC8926}"/>
-              </a:ext>
-            </a:extLst>
-          </p:cNvPr>
-          <p:cNvSpPr>
-            <a:spLocks noGrp="1"/>
-          </p:cNvSpPr>
-          <p:nvPr>
-            <p:ph type="title"/>
-          </p:nvPr>
-        </p:nvSpPr>
-        <p:spPr>
-          <a:xfrm>
-            <a:off x="677334" y="609600"/>
-            <a:ext cx="8596668" cy="1320800"/>
-          </a:xfrm>
-        </p:spPr>
-        <p:txBody>
-          <a:bodyPr anchor="t">
-            <a:normAutofit/>
-          </a:bodyPr>
-          <a:lstStyle/>
-          <a:p>
-            <a:r>
-              <a:rPr lang="tr-TR" b="1" dirty="0">
-                <a:effectLst/>
-              </a:rPr>
-              <a:t>8-) </a:t>
-            </a:r>
-            <a:r>
-              <a:rPr lang="tr-TR" b="1" dirty="0" err="1">
-                <a:effectLst/>
-              </a:rPr>
-              <a:t>Feature</a:t>
-            </a:r>
-            <a:r>
-              <a:rPr lang="tr-TR" b="1" dirty="0">
-                <a:effectLst/>
-              </a:rPr>
-              <a:t> </a:t>
-            </a:r>
-            <a:r>
-              <a:rPr lang="tr-TR" b="1" dirty="0" err="1">
-                <a:effectLst/>
-              </a:rPr>
-              <a:t>Importance</a:t>
-            </a:r>
-            <a:br>
-              <a:rPr lang="tr-TR" b="0" dirty="0">
-                <a:effectLst/>
-                <a:latin typeface="Consolas" panose="020B0609020204030204" pitchFamily="49" charset="0"/>
-              </a:rPr>
-            </a:br>
-            <a:endParaRPr lang="tr-TR" dirty="0"/>
-          </a:p>
-        </p:txBody>
-      </p:sp>
-      <p:pic>
-        <p:nvPicPr>
-          <p:cNvPr id="5" name="İçerik Yer Tutucusu 4">
-            <a:extLst>
-              <a:ext uri="{FF2B5EF4-FFF2-40B4-BE49-F238E27FC236}">
-                <a16:creationId xmlns:a16="http://schemas.microsoft.com/office/drawing/2014/main" id="{9456CD97-B165-D5DC-0E60-266D5E61B7DB}"/>
-              </a:ext>
-            </a:extLst>
-          </p:cNvPr>
-          <p:cNvPicPr>
-            <a:picLocks noChangeAspect="1"/>
-          </p:cNvPicPr>
-          <p:nvPr/>
-        </p:nvPicPr>
-        <p:blipFill>
-          <a:blip r:embed="rId2">
-            <a:extLst>
-              <a:ext uri="{28A0092B-C50C-407E-A947-70E740481C1C}">
-                <a14:useLocalDpi xmlns:a14="http://schemas.microsoft.com/office/drawing/2010/main" val="0"/>
-              </a:ext>
-            </a:extLst>
-          </a:blip>
-          <a:stretch>
-            <a:fillRect/>
-          </a:stretch>
-        </p:blipFill>
-        <p:spPr>
-          <a:xfrm>
-            <a:off x="817474" y="2159331"/>
-            <a:ext cx="5283289" cy="2866183"/>
-          </a:xfrm>
-          <a:prstGeom prst="rect">
-            <a:avLst/>
-          </a:prstGeom>
-        </p:spPr>
-      </p:pic>
-    </p:spTree>
-    <p:extLst>
-      <p:ext uri="{BB962C8B-B14F-4D97-AF65-F5344CB8AC3E}">
-        <p14:creationId xmlns:p14="http://schemas.microsoft.com/office/powerpoint/2010/main" val="2965592603"/>
-      </p:ext>
-    </p:extLst>
-  </p:cSld>
-  <p:clrMapOvr>
-    <a:masterClrMapping/>
-  </p:clrMapOvr>
-</p:sld>
-</file>
-
-<file path=ppt/slides/slide19.xml><?xml version="1.0" encoding="utf-8"?>
-<p:sld xmlns:a="http://schemas.openxmlformats.org/drawingml/2006/main" xmlns:r="http://schemas.openxmlformats.org/officeDocument/2006/relationships" xmlns:p="http://schemas.openxmlformats.org/presentationml/2006/main">
-  <p:cSld>
-    <p:spTree>
-      <p:nvGrpSpPr>
-        <p:cNvPr id="1" name=""/>
-        <p:cNvGrpSpPr/>
-        <p:nvPr/>
-      </p:nvGrpSpPr>
-      <p:grpSpPr>
-        <a:xfrm>
-          <a:off x="0" y="0"/>
-          <a:ext cx="0" cy="0"/>
-          <a:chOff x="0" y="0"/>
-          <a:chExt cx="0" cy="0"/>
-        </a:xfrm>
-      </p:grpSpPr>
-      <p:sp>
-        <p:nvSpPr>
-          <p:cNvPr id="2" name="Başlık 1">
-            <a:extLst>
-              <a:ext uri="{FF2B5EF4-FFF2-40B4-BE49-F238E27FC236}">
-                <a16:creationId xmlns:a16="http://schemas.microsoft.com/office/drawing/2014/main" id="{32F9B295-E536-C8D5-4A85-E5287E411121}"/>
-              </a:ext>
-            </a:extLst>
-          </p:cNvPr>
-          <p:cNvSpPr>
-            <a:spLocks noGrp="1"/>
-          </p:cNvSpPr>
-          <p:nvPr>
-            <p:ph type="title"/>
-          </p:nvPr>
-        </p:nvSpPr>
-        <p:spPr/>
-        <p:txBody>
-          <a:bodyPr/>
-          <a:lstStyle/>
-          <a:p>
-            <a:r>
-              <a:rPr lang="tr-TR" b="1" i="0" dirty="0">
-                <a:effectLst/>
-                <a:latin typeface="-apple-system"/>
-              </a:rPr>
-              <a:t>9-) </a:t>
-            </a:r>
-            <a:r>
-              <a:rPr lang="tr-TR" b="1" i="0" dirty="0" err="1">
-                <a:effectLst/>
-                <a:latin typeface="-apple-system"/>
-              </a:rPr>
-              <a:t>Feature</a:t>
-            </a:r>
-            <a:r>
-              <a:rPr lang="tr-TR" b="1" i="0" dirty="0">
-                <a:effectLst/>
-                <a:latin typeface="-apple-system"/>
-              </a:rPr>
-              <a:t> </a:t>
-            </a:r>
-            <a:r>
-              <a:rPr lang="tr-TR" b="1" i="0" dirty="0" err="1">
-                <a:effectLst/>
-                <a:latin typeface="-apple-system"/>
-              </a:rPr>
-              <a:t>Selection</a:t>
-            </a:r>
-            <a:br>
-              <a:rPr lang="tr-TR" b="1" i="0" dirty="0">
-                <a:effectLst/>
-                <a:latin typeface="-apple-system"/>
-              </a:rPr>
-            </a:br>
-            <a:endParaRPr lang="tr-TR" dirty="0"/>
-          </a:p>
-        </p:txBody>
-      </p:sp>
-      <p:sp>
-        <p:nvSpPr>
-          <p:cNvPr id="3" name="İçerik Yer Tutucusu 2">
-            <a:extLst>
-              <a:ext uri="{FF2B5EF4-FFF2-40B4-BE49-F238E27FC236}">
-                <a16:creationId xmlns:a16="http://schemas.microsoft.com/office/drawing/2014/main" id="{C193EEC1-8EDD-1E34-7B88-28CEFE81B6FC}"/>
-              </a:ext>
-            </a:extLst>
-          </p:cNvPr>
-          <p:cNvSpPr>
-            <a:spLocks noGrp="1"/>
-          </p:cNvSpPr>
-          <p:nvPr>
-            <p:ph idx="1"/>
-          </p:nvPr>
-        </p:nvSpPr>
-        <p:spPr/>
-        <p:txBody>
-          <a:bodyPr/>
-          <a:lstStyle/>
-          <a:p>
-            <a:endParaRPr lang="tr-TR" dirty="0"/>
-          </a:p>
-        </p:txBody>
-      </p:sp>
-    </p:spTree>
-    <p:extLst>
-      <p:ext uri="{BB962C8B-B14F-4D97-AF65-F5344CB8AC3E}">
-        <p14:creationId xmlns:p14="http://schemas.microsoft.com/office/powerpoint/2010/main" val="1892516700"/>
-      </p:ext>
-    </p:extLst>
-  </p:cSld>
-  <p:clrMapOvr>
-    <a:masterClrMapping/>
-  </p:clrMapOvr>
-</p:sld>
-</file>
-
 <file path=ppt/slides/slide2.xml><?xml version="1.0" encoding="utf-8"?>
 <p:sld xmlns:a="http://schemas.openxmlformats.org/drawingml/2006/main" xmlns:r="http://schemas.openxmlformats.org/officeDocument/2006/relationships" xmlns:p="http://schemas.openxmlformats.org/presentationml/2006/main">
   <p:cSld>
@@ -11432,6 +13011,353 @@
 </file>
 
 <file path=ppt/slides/slide20.xml><?xml version="1.0" encoding="utf-8"?>
+<p:sld xmlns:a="http://schemas.openxmlformats.org/drawingml/2006/main" xmlns:r="http://schemas.openxmlformats.org/officeDocument/2006/relationships" xmlns:p="http://schemas.openxmlformats.org/presentationml/2006/main">
+  <p:cSld>
+    <p:spTree>
+      <p:nvGrpSpPr>
+        <p:cNvPr id="1" name=""/>
+        <p:cNvGrpSpPr/>
+        <p:nvPr/>
+      </p:nvGrpSpPr>
+      <p:grpSpPr>
+        <a:xfrm>
+          <a:off x="0" y="0"/>
+          <a:ext cx="0" cy="0"/>
+          <a:chOff x="0" y="0"/>
+          <a:chExt cx="0" cy="0"/>
+        </a:xfrm>
+      </p:grpSpPr>
+      <p:sp>
+        <p:nvSpPr>
+          <p:cNvPr id="2" name="Başlık 1">
+            <a:extLst>
+              <a:ext uri="{FF2B5EF4-FFF2-40B4-BE49-F238E27FC236}">
+                <a16:creationId xmlns:a16="http://schemas.microsoft.com/office/drawing/2014/main" id="{8B77D0EE-E1F8-57F6-3B87-F3128E114582}"/>
+              </a:ext>
+            </a:extLst>
+          </p:cNvPr>
+          <p:cNvSpPr>
+            <a:spLocks noGrp="1"/>
+          </p:cNvSpPr>
+          <p:nvPr>
+            <p:ph type="title"/>
+          </p:nvPr>
+        </p:nvSpPr>
+        <p:spPr/>
+        <p:txBody>
+          <a:bodyPr/>
+          <a:lstStyle/>
+          <a:p>
+            <a:r>
+              <a:rPr lang="tr-TR" b="1" dirty="0"/>
+              <a:t>7-) Model </a:t>
+            </a:r>
+            <a:r>
+              <a:rPr lang="tr-TR" b="1" dirty="0" err="1"/>
+              <a:t>Tuning</a:t>
+            </a:r>
+            <a:endParaRPr lang="tr-TR" b="1" dirty="0"/>
+          </a:p>
+        </p:txBody>
+      </p:sp>
+      <p:sp>
+        <p:nvSpPr>
+          <p:cNvPr id="3" name="İçerik Yer Tutucusu 2">
+            <a:extLst>
+              <a:ext uri="{FF2B5EF4-FFF2-40B4-BE49-F238E27FC236}">
+                <a16:creationId xmlns:a16="http://schemas.microsoft.com/office/drawing/2014/main" id="{71DC8F23-E908-AE8D-6828-4EA2DA45EA11}"/>
+              </a:ext>
+            </a:extLst>
+          </p:cNvPr>
+          <p:cNvSpPr>
+            <a:spLocks noGrp="1"/>
+          </p:cNvSpPr>
+          <p:nvPr>
+            <p:ph idx="1"/>
+          </p:nvPr>
+        </p:nvSpPr>
+        <p:spPr/>
+        <p:txBody>
+          <a:bodyPr/>
+          <a:lstStyle/>
+          <a:p>
+            <a:r>
+              <a:rPr lang="tr-TR" b="1" i="0" dirty="0">
+                <a:effectLst/>
+                <a:latin typeface="-apple-system"/>
+              </a:rPr>
+              <a:t>Final Model Evaluation</a:t>
+            </a:r>
+          </a:p>
+          <a:p>
+            <a:endParaRPr lang="tr-TR" dirty="0"/>
+          </a:p>
+        </p:txBody>
+      </p:sp>
+    </p:spTree>
+    <p:extLst>
+      <p:ext uri="{BB962C8B-B14F-4D97-AF65-F5344CB8AC3E}">
+        <p14:creationId xmlns:p14="http://schemas.microsoft.com/office/powerpoint/2010/main" val="779016138"/>
+      </p:ext>
+    </p:extLst>
+  </p:cSld>
+  <p:clrMapOvr>
+    <a:masterClrMapping/>
+  </p:clrMapOvr>
+</p:sld>
+</file>
+
+<file path=ppt/slides/slide21.xml><?xml version="1.0" encoding="utf-8"?>
+<p:sld xmlns:a="http://schemas.openxmlformats.org/drawingml/2006/main" xmlns:r="http://schemas.openxmlformats.org/officeDocument/2006/relationships" xmlns:p="http://schemas.openxmlformats.org/presentationml/2006/main">
+  <p:cSld>
+    <p:bg>
+      <p:bgPr>
+        <a:solidFill>
+          <a:schemeClr val="bg1"/>
+        </a:solidFill>
+        <a:effectLst/>
+      </p:bgPr>
+    </p:bg>
+    <p:spTree>
+      <p:nvGrpSpPr>
+        <p:cNvPr id="1" name=""/>
+        <p:cNvGrpSpPr/>
+        <p:nvPr/>
+      </p:nvGrpSpPr>
+      <p:grpSpPr>
+        <a:xfrm>
+          <a:off x="0" y="0"/>
+          <a:ext cx="0" cy="0"/>
+          <a:chOff x="0" y="0"/>
+          <a:chExt cx="0" cy="0"/>
+        </a:xfrm>
+      </p:grpSpPr>
+      <p:sp>
+        <p:nvSpPr>
+          <p:cNvPr id="2" name="Başlık 1">
+            <a:extLst>
+              <a:ext uri="{FF2B5EF4-FFF2-40B4-BE49-F238E27FC236}">
+                <a16:creationId xmlns:a16="http://schemas.microsoft.com/office/drawing/2014/main" id="{30252279-15DD-0305-B828-8B5066BC8926}"/>
+              </a:ext>
+            </a:extLst>
+          </p:cNvPr>
+          <p:cNvSpPr>
+            <a:spLocks noGrp="1"/>
+          </p:cNvSpPr>
+          <p:nvPr>
+            <p:ph type="title"/>
+          </p:nvPr>
+        </p:nvSpPr>
+        <p:spPr>
+          <a:xfrm>
+            <a:off x="677334" y="609600"/>
+            <a:ext cx="8596668" cy="1320800"/>
+          </a:xfrm>
+        </p:spPr>
+        <p:txBody>
+          <a:bodyPr anchor="t">
+            <a:normAutofit/>
+          </a:bodyPr>
+          <a:lstStyle/>
+          <a:p>
+            <a:r>
+              <a:rPr lang="tr-TR" b="1" dirty="0">
+                <a:effectLst/>
+              </a:rPr>
+              <a:t>8-) </a:t>
+            </a:r>
+            <a:r>
+              <a:rPr lang="tr-TR" b="1" dirty="0" err="1">
+                <a:effectLst/>
+              </a:rPr>
+              <a:t>Feature</a:t>
+            </a:r>
+            <a:r>
+              <a:rPr lang="tr-TR" b="1" dirty="0">
+                <a:effectLst/>
+              </a:rPr>
+              <a:t> </a:t>
+            </a:r>
+            <a:r>
+              <a:rPr lang="tr-TR" b="1" dirty="0" err="1">
+                <a:effectLst/>
+              </a:rPr>
+              <a:t>Importance</a:t>
+            </a:r>
+            <a:br>
+              <a:rPr lang="tr-TR" b="0" dirty="0">
+                <a:effectLst/>
+                <a:latin typeface="Consolas" panose="020B0609020204030204" pitchFamily="49" charset="0"/>
+              </a:rPr>
+            </a:br>
+            <a:endParaRPr lang="tr-TR" dirty="0"/>
+          </a:p>
+        </p:txBody>
+      </p:sp>
+      <p:pic>
+        <p:nvPicPr>
+          <p:cNvPr id="5" name="İçerik Yer Tutucusu 4">
+            <a:extLst>
+              <a:ext uri="{FF2B5EF4-FFF2-40B4-BE49-F238E27FC236}">
+                <a16:creationId xmlns:a16="http://schemas.microsoft.com/office/drawing/2014/main" id="{9456CD97-B165-D5DC-0E60-266D5E61B7DB}"/>
+              </a:ext>
+            </a:extLst>
+          </p:cNvPr>
+          <p:cNvPicPr>
+            <a:picLocks noChangeAspect="1"/>
+          </p:cNvPicPr>
+          <p:nvPr/>
+        </p:nvPicPr>
+        <p:blipFill>
+          <a:blip r:embed="rId2">
+            <a:extLst>
+              <a:ext uri="{28A0092B-C50C-407E-A947-70E740481C1C}">
+                <a14:useLocalDpi xmlns:a14="http://schemas.microsoft.com/office/drawing/2010/main" val="0"/>
+              </a:ext>
+            </a:extLst>
+          </a:blip>
+          <a:stretch>
+            <a:fillRect/>
+          </a:stretch>
+        </p:blipFill>
+        <p:spPr>
+          <a:xfrm>
+            <a:off x="817474" y="2159331"/>
+            <a:ext cx="5283289" cy="2866183"/>
+          </a:xfrm>
+          <a:prstGeom prst="rect">
+            <a:avLst/>
+          </a:prstGeom>
+        </p:spPr>
+      </p:pic>
+    </p:spTree>
+    <p:extLst>
+      <p:ext uri="{BB962C8B-B14F-4D97-AF65-F5344CB8AC3E}">
+        <p14:creationId xmlns:p14="http://schemas.microsoft.com/office/powerpoint/2010/main" val="2965592603"/>
+      </p:ext>
+    </p:extLst>
+  </p:cSld>
+  <p:clrMapOvr>
+    <a:masterClrMapping/>
+  </p:clrMapOvr>
+</p:sld>
+</file>
+
+<file path=ppt/slides/slide22.xml><?xml version="1.0" encoding="utf-8"?>
+<p:sld xmlns:a="http://schemas.openxmlformats.org/drawingml/2006/main" xmlns:r="http://schemas.openxmlformats.org/officeDocument/2006/relationships" xmlns:p="http://schemas.openxmlformats.org/presentationml/2006/main">
+  <p:cSld>
+    <p:spTree>
+      <p:nvGrpSpPr>
+        <p:cNvPr id="1" name=""/>
+        <p:cNvGrpSpPr/>
+        <p:nvPr/>
+      </p:nvGrpSpPr>
+      <p:grpSpPr>
+        <a:xfrm>
+          <a:off x="0" y="0"/>
+          <a:ext cx="0" cy="0"/>
+          <a:chOff x="0" y="0"/>
+          <a:chExt cx="0" cy="0"/>
+        </a:xfrm>
+      </p:grpSpPr>
+      <p:sp>
+        <p:nvSpPr>
+          <p:cNvPr id="2" name="Başlık 1">
+            <a:extLst>
+              <a:ext uri="{FF2B5EF4-FFF2-40B4-BE49-F238E27FC236}">
+                <a16:creationId xmlns:a16="http://schemas.microsoft.com/office/drawing/2014/main" id="{32F9B295-E536-C8D5-4A85-E5287E411121}"/>
+              </a:ext>
+            </a:extLst>
+          </p:cNvPr>
+          <p:cNvSpPr>
+            <a:spLocks noGrp="1"/>
+          </p:cNvSpPr>
+          <p:nvPr>
+            <p:ph type="title"/>
+          </p:nvPr>
+        </p:nvSpPr>
+        <p:spPr/>
+        <p:txBody>
+          <a:bodyPr/>
+          <a:lstStyle/>
+          <a:p>
+            <a:r>
+              <a:rPr lang="tr-TR" b="1" i="0" dirty="0">
+                <a:effectLst/>
+                <a:latin typeface="-apple-system"/>
+              </a:rPr>
+              <a:t>9-) </a:t>
+            </a:r>
+            <a:r>
+              <a:rPr lang="tr-TR" b="1" i="0" dirty="0" err="1">
+                <a:effectLst/>
+                <a:latin typeface="-apple-system"/>
+              </a:rPr>
+              <a:t>Feature</a:t>
+            </a:r>
+            <a:r>
+              <a:rPr lang="tr-TR" b="1" i="0" dirty="0">
+                <a:effectLst/>
+                <a:latin typeface="-apple-system"/>
+              </a:rPr>
+              <a:t> </a:t>
+            </a:r>
+            <a:r>
+              <a:rPr lang="tr-TR" b="1" i="0" dirty="0" err="1">
+                <a:effectLst/>
+                <a:latin typeface="-apple-system"/>
+              </a:rPr>
+              <a:t>Selection</a:t>
+            </a:r>
+            <a:br>
+              <a:rPr lang="tr-TR" b="1" i="0" dirty="0">
+                <a:effectLst/>
+                <a:latin typeface="-apple-system"/>
+              </a:rPr>
+            </a:br>
+            <a:endParaRPr lang="tr-TR" dirty="0"/>
+          </a:p>
+        </p:txBody>
+      </p:sp>
+      <p:sp>
+        <p:nvSpPr>
+          <p:cNvPr id="3" name="İçerik Yer Tutucusu 2">
+            <a:extLst>
+              <a:ext uri="{FF2B5EF4-FFF2-40B4-BE49-F238E27FC236}">
+                <a16:creationId xmlns:a16="http://schemas.microsoft.com/office/drawing/2014/main" id="{C193EEC1-8EDD-1E34-7B88-28CEFE81B6FC}"/>
+              </a:ext>
+            </a:extLst>
+          </p:cNvPr>
+          <p:cNvSpPr>
+            <a:spLocks noGrp="1"/>
+          </p:cNvSpPr>
+          <p:nvPr>
+            <p:ph idx="1"/>
+          </p:nvPr>
+        </p:nvSpPr>
+        <p:spPr/>
+        <p:txBody>
+          <a:bodyPr/>
+          <a:lstStyle/>
+          <a:p>
+            <a:endParaRPr lang="tr-TR" dirty="0"/>
+          </a:p>
+        </p:txBody>
+      </p:sp>
+    </p:spTree>
+    <p:extLst>
+      <p:ext uri="{BB962C8B-B14F-4D97-AF65-F5344CB8AC3E}">
+        <p14:creationId xmlns:p14="http://schemas.microsoft.com/office/powerpoint/2010/main" val="1892516700"/>
+      </p:ext>
+    </p:extLst>
+  </p:cSld>
+  <p:clrMapOvr>
+    <a:masterClrMapping/>
+  </p:clrMapOvr>
+</p:sld>
+</file>
+
+<file path=ppt/slides/slide23.xml><?xml version="1.0" encoding="utf-8"?>
 <p:sld xmlns:a="http://schemas.openxmlformats.org/drawingml/2006/main" xmlns:r="http://schemas.openxmlformats.org/officeDocument/2006/relationships" xmlns:p="http://schemas.openxmlformats.org/presentationml/2006/main">
   <p:cSld>
     <p:spTree>
